--- a/cs4981_gpu-cuda-encryption.pptx
+++ b/cs4981_gpu-cuda-encryption.pptx
@@ -5,7 +5,7 @@
     <p:sldMasterId id="2147483738" r:id="rId4"/>
   </p:sldMasterIdLst>
   <p:notesMasterIdLst>
-    <p:notesMasterId r:id="rId18"/>
+    <p:notesMasterId r:id="rId31"/>
   </p:notesMasterIdLst>
   <p:sldIdLst>
     <p:sldId id="256" r:id="rId5"/>
@@ -13,14 +13,27 @@
     <p:sldId id="258" r:id="rId7"/>
     <p:sldId id="270" r:id="rId8"/>
     <p:sldId id="259" r:id="rId9"/>
-    <p:sldId id="261" r:id="rId10"/>
-    <p:sldId id="262" r:id="rId11"/>
-    <p:sldId id="263" r:id="rId12"/>
-    <p:sldId id="264" r:id="rId13"/>
-    <p:sldId id="265" r:id="rId14"/>
-    <p:sldId id="266" r:id="rId15"/>
-    <p:sldId id="271" r:id="rId16"/>
-    <p:sldId id="267" r:id="rId17"/>
+    <p:sldId id="279" r:id="rId10"/>
+    <p:sldId id="278" r:id="rId11"/>
+    <p:sldId id="280" r:id="rId12"/>
+    <p:sldId id="281" r:id="rId13"/>
+    <p:sldId id="286" r:id="rId14"/>
+    <p:sldId id="282" r:id="rId15"/>
+    <p:sldId id="283" r:id="rId16"/>
+    <p:sldId id="273" r:id="rId17"/>
+    <p:sldId id="275" r:id="rId18"/>
+    <p:sldId id="276" r:id="rId19"/>
+    <p:sldId id="277" r:id="rId20"/>
+    <p:sldId id="261" r:id="rId21"/>
+    <p:sldId id="262" r:id="rId22"/>
+    <p:sldId id="263" r:id="rId23"/>
+    <p:sldId id="264" r:id="rId24"/>
+    <p:sldId id="265" r:id="rId25"/>
+    <p:sldId id="266" r:id="rId26"/>
+    <p:sldId id="271" r:id="rId27"/>
+    <p:sldId id="267" r:id="rId28"/>
+    <p:sldId id="284" r:id="rId29"/>
+    <p:sldId id="285" r:id="rId30"/>
   </p:sldIdLst>
   <p:sldSz cx="12192000" cy="6858000"/>
   <p:notesSz cx="6858000" cy="9144000"/>
@@ -130,14 +143,563 @@
 <file path=ppt/revisionInfo.xml><?xml version="1.0" encoding="utf-8"?>
 <p1510:revInfo xmlns:a="http://schemas.openxmlformats.org/drawingml/2006/main" xmlns:r="http://schemas.openxmlformats.org/officeDocument/2006/relationships" xmlns:p1510="http://schemas.microsoft.com/office/powerpoint/2015/10/main">
   <p1510:revLst>
-    <p1510:client id="{1E935D03-DDAF-4A97-9A35-FE221C369B40}" v="993" dt="2021-11-10T10:29:30.076"/>
-    <p1510:client id="{27477FA8-2AA1-C7BD-44B8-0BDC8EA06BD8}" v="614" dt="2021-11-10T09:43:56.867"/>
-    <p1510:client id="{3A64AAE9-3CDA-5369-F0BE-4BF0CBCAA1F7}" v="60" dt="2021-11-10T17:58:05.201"/>
-    <p1510:client id="{82A55561-DBFB-4CAB-B09F-5B67F0BB31B8}" v="755" dt="2021-11-10T08:57:19.982"/>
-    <p1510:client id="{96F80A41-CF2F-4D07-99B7-8FFA4439C01A}" v="796" dt="2021-11-10T18:04:20.625"/>
-    <p1510:client id="{A7F1BE0E-8A9C-4043-8626-190EAD6E6272}" v="618" dt="2021-11-10T18:26:19.212"/>
+    <p1510:client id="{B4811F05-F687-47FA-9EF3-D28DB084D5D4}" v="31" dt="2022-12-03T00:05:53.456"/>
   </p1510:revLst>
 </p1510:revInfo>
+</file>
+
+<file path=ppt/changesInfos/changesInfo1.xml><?xml version="1.0" encoding="utf-8"?>
+<pc:chgInfo xmlns:a="http://schemas.openxmlformats.org/drawingml/2006/main" xmlns:r="http://schemas.openxmlformats.org/officeDocument/2006/relationships" xmlns:ac="http://schemas.microsoft.com/office/drawing/2013/main/command" xmlns:pc="http://schemas.microsoft.com/office/powerpoint/2013/main/command">
+  <pc:docChgLst>
+    <pc:chgData name="Julian Singkham" userId="77a7452b-9e86-4f2b-a3c8-2f6c6990f908" providerId="ADAL" clId="{B4811F05-F687-47FA-9EF3-D28DB084D5D4}"/>
+    <pc:docChg chg="undo redo custSel addSld delSld modSld sldOrd">
+      <pc:chgData name="Julian Singkham" userId="77a7452b-9e86-4f2b-a3c8-2f6c6990f908" providerId="ADAL" clId="{B4811F05-F687-47FA-9EF3-D28DB084D5D4}" dt="2022-12-03T00:05:54.140" v="3866" actId="20577"/>
+      <pc:docMkLst>
+        <pc:docMk/>
+      </pc:docMkLst>
+      <pc:sldChg chg="modSp mod">
+        <pc:chgData name="Julian Singkham" userId="77a7452b-9e86-4f2b-a3c8-2f6c6990f908" providerId="ADAL" clId="{B4811F05-F687-47FA-9EF3-D28DB084D5D4}" dt="2022-12-02T18:43:26.820" v="91" actId="12"/>
+        <pc:sldMkLst>
+          <pc:docMk/>
+          <pc:sldMk cId="1010637370" sldId="258"/>
+        </pc:sldMkLst>
+        <pc:spChg chg="mod">
+          <ac:chgData name="Julian Singkham" userId="77a7452b-9e86-4f2b-a3c8-2f6c6990f908" providerId="ADAL" clId="{B4811F05-F687-47FA-9EF3-D28DB084D5D4}" dt="2022-12-02T18:43:26.820" v="91" actId="12"/>
+          <ac:spMkLst>
+            <pc:docMk/>
+            <pc:sldMk cId="1010637370" sldId="258"/>
+            <ac:spMk id="3" creationId="{F1EED3F6-F690-4DEB-9BA1-9FAB20488DDD}"/>
+          </ac:spMkLst>
+        </pc:spChg>
+      </pc:sldChg>
+      <pc:sldChg chg="modSp new del mod">
+        <pc:chgData name="Julian Singkham" userId="77a7452b-9e86-4f2b-a3c8-2f6c6990f908" providerId="ADAL" clId="{B4811F05-F687-47FA-9EF3-D28DB084D5D4}" dt="2022-12-02T23:39:57.644" v="2850" actId="47"/>
+        <pc:sldMkLst>
+          <pc:docMk/>
+          <pc:sldMk cId="1748243953" sldId="272"/>
+        </pc:sldMkLst>
+        <pc:spChg chg="mod">
+          <ac:chgData name="Julian Singkham" userId="77a7452b-9e86-4f2b-a3c8-2f6c6990f908" providerId="ADAL" clId="{B4811F05-F687-47FA-9EF3-D28DB084D5D4}" dt="2022-12-02T18:50:22.370" v="504" actId="20577"/>
+          <ac:spMkLst>
+            <pc:docMk/>
+            <pc:sldMk cId="1748243953" sldId="272"/>
+            <ac:spMk id="3" creationId="{C093A555-B9E3-A70D-65BA-50AEA0A527C6}"/>
+          </ac:spMkLst>
+        </pc:spChg>
+      </pc:sldChg>
+      <pc:sldChg chg="modSp add mod ord">
+        <pc:chgData name="Julian Singkham" userId="77a7452b-9e86-4f2b-a3c8-2f6c6990f908" providerId="ADAL" clId="{B4811F05-F687-47FA-9EF3-D28DB084D5D4}" dt="2022-12-02T18:41:49.045" v="8" actId="20577"/>
+        <pc:sldMkLst>
+          <pc:docMk/>
+          <pc:sldMk cId="2325580059" sldId="273"/>
+        </pc:sldMkLst>
+        <pc:spChg chg="mod">
+          <ac:chgData name="Julian Singkham" userId="77a7452b-9e86-4f2b-a3c8-2f6c6990f908" providerId="ADAL" clId="{B4811F05-F687-47FA-9EF3-D28DB084D5D4}" dt="2022-12-02T18:41:49.045" v="8" actId="20577"/>
+          <ac:spMkLst>
+            <pc:docMk/>
+            <pc:sldMk cId="2325580059" sldId="273"/>
+            <ac:spMk id="2" creationId="{7DC66959-3528-4ADB-BDB9-3C105C4F7218}"/>
+          </ac:spMkLst>
+        </pc:spChg>
+      </pc:sldChg>
+      <pc:sldChg chg="modSp new del mod">
+        <pc:chgData name="Julian Singkham" userId="77a7452b-9e86-4f2b-a3c8-2f6c6990f908" providerId="ADAL" clId="{B4811F05-F687-47FA-9EF3-D28DB084D5D4}" dt="2022-12-02T19:13:15.087" v="804" actId="2696"/>
+        <pc:sldMkLst>
+          <pc:docMk/>
+          <pc:sldMk cId="1929427980" sldId="274"/>
+        </pc:sldMkLst>
+        <pc:spChg chg="mod">
+          <ac:chgData name="Julian Singkham" userId="77a7452b-9e86-4f2b-a3c8-2f6c6990f908" providerId="ADAL" clId="{B4811F05-F687-47FA-9EF3-D28DB084D5D4}" dt="2022-12-02T18:49:26.997" v="414" actId="20577"/>
+          <ac:spMkLst>
+            <pc:docMk/>
+            <pc:sldMk cId="1929427980" sldId="274"/>
+            <ac:spMk id="2" creationId="{CB0B39AB-A777-6976-B354-9DB748E9456C}"/>
+          </ac:spMkLst>
+        </pc:spChg>
+        <pc:spChg chg="mod">
+          <ac:chgData name="Julian Singkham" userId="77a7452b-9e86-4f2b-a3c8-2f6c6990f908" providerId="ADAL" clId="{B4811F05-F687-47FA-9EF3-D28DB084D5D4}" dt="2022-12-02T18:49:09.165" v="389" actId="403"/>
+          <ac:spMkLst>
+            <pc:docMk/>
+            <pc:sldMk cId="1929427980" sldId="274"/>
+            <ac:spMk id="3" creationId="{963292D8-94F9-6BEB-7A29-39162D689E40}"/>
+          </ac:spMkLst>
+        </pc:spChg>
+        <pc:spChg chg="mod">
+          <ac:chgData name="Julian Singkham" userId="77a7452b-9e86-4f2b-a3c8-2f6c6990f908" providerId="ADAL" clId="{B4811F05-F687-47FA-9EF3-D28DB084D5D4}" dt="2022-12-02T18:50:41.024" v="549" actId="27636"/>
+          <ac:spMkLst>
+            <pc:docMk/>
+            <pc:sldMk cId="1929427980" sldId="274"/>
+            <ac:spMk id="4" creationId="{268577EB-D9F9-9F17-A291-F84090E50B2D}"/>
+          </ac:spMkLst>
+        </pc:spChg>
+        <pc:spChg chg="mod">
+          <ac:chgData name="Julian Singkham" userId="77a7452b-9e86-4f2b-a3c8-2f6c6990f908" providerId="ADAL" clId="{B4811F05-F687-47FA-9EF3-D28DB084D5D4}" dt="2022-12-02T18:49:04.952" v="388" actId="403"/>
+          <ac:spMkLst>
+            <pc:docMk/>
+            <pc:sldMk cId="1929427980" sldId="274"/>
+            <ac:spMk id="5" creationId="{0B664D15-F34B-5AE5-4C05-8EFC6AE1253D}"/>
+          </ac:spMkLst>
+        </pc:spChg>
+        <pc:spChg chg="mod">
+          <ac:chgData name="Julian Singkham" userId="77a7452b-9e86-4f2b-a3c8-2f6c6990f908" providerId="ADAL" clId="{B4811F05-F687-47FA-9EF3-D28DB084D5D4}" dt="2022-12-02T18:50:41.023" v="548" actId="27636"/>
+          <ac:spMkLst>
+            <pc:docMk/>
+            <pc:sldMk cId="1929427980" sldId="274"/>
+            <ac:spMk id="6" creationId="{E2A0A9FC-E85F-98B7-0D94-B37A2C07BE32}"/>
+          </ac:spMkLst>
+        </pc:spChg>
+      </pc:sldChg>
+      <pc:sldChg chg="modSp add mod">
+        <pc:chgData name="Julian Singkham" userId="77a7452b-9e86-4f2b-a3c8-2f6c6990f908" providerId="ADAL" clId="{B4811F05-F687-47FA-9EF3-D28DB084D5D4}" dt="2022-12-02T21:07:32.908" v="2685" actId="27636"/>
+        <pc:sldMkLst>
+          <pc:docMk/>
+          <pc:sldMk cId="417163539" sldId="275"/>
+        </pc:sldMkLst>
+        <pc:spChg chg="mod">
+          <ac:chgData name="Julian Singkham" userId="77a7452b-9e86-4f2b-a3c8-2f6c6990f908" providerId="ADAL" clId="{B4811F05-F687-47FA-9EF3-D28DB084D5D4}" dt="2022-12-02T21:07:32.908" v="2685" actId="27636"/>
+          <ac:spMkLst>
+            <pc:docMk/>
+            <pc:sldMk cId="417163539" sldId="275"/>
+            <ac:spMk id="4" creationId="{268577EB-D9F9-9F17-A291-F84090E50B2D}"/>
+          </ac:spMkLst>
+        </pc:spChg>
+        <pc:spChg chg="mod">
+          <ac:chgData name="Julian Singkham" userId="77a7452b-9e86-4f2b-a3c8-2f6c6990f908" providerId="ADAL" clId="{B4811F05-F687-47FA-9EF3-D28DB084D5D4}" dt="2022-12-02T21:07:32.907" v="2684" actId="27636"/>
+          <ac:spMkLst>
+            <pc:docMk/>
+            <pc:sldMk cId="417163539" sldId="275"/>
+            <ac:spMk id="6" creationId="{E2A0A9FC-E85F-98B7-0D94-B37A2C07BE32}"/>
+          </ac:spMkLst>
+        </pc:spChg>
+      </pc:sldChg>
+      <pc:sldChg chg="new del">
+        <pc:chgData name="Julian Singkham" userId="77a7452b-9e86-4f2b-a3c8-2f6c6990f908" providerId="ADAL" clId="{B4811F05-F687-47FA-9EF3-D28DB084D5D4}" dt="2022-12-02T19:13:56.744" v="806" actId="680"/>
+        <pc:sldMkLst>
+          <pc:docMk/>
+          <pc:sldMk cId="1088641610" sldId="276"/>
+        </pc:sldMkLst>
+      </pc:sldChg>
+      <pc:sldChg chg="addSp modSp add mod">
+        <pc:chgData name="Julian Singkham" userId="77a7452b-9e86-4f2b-a3c8-2f6c6990f908" providerId="ADAL" clId="{B4811F05-F687-47FA-9EF3-D28DB084D5D4}" dt="2022-12-03T00:02:12.670" v="3683" actId="20577"/>
+        <pc:sldMkLst>
+          <pc:docMk/>
+          <pc:sldMk cId="3541099806" sldId="276"/>
+        </pc:sldMkLst>
+        <pc:spChg chg="mod">
+          <ac:chgData name="Julian Singkham" userId="77a7452b-9e86-4f2b-a3c8-2f6c6990f908" providerId="ADAL" clId="{B4811F05-F687-47FA-9EF3-D28DB084D5D4}" dt="2022-12-02T19:32:10.326" v="1421" actId="20577"/>
+          <ac:spMkLst>
+            <pc:docMk/>
+            <pc:sldMk cId="3541099806" sldId="276"/>
+            <ac:spMk id="2" creationId="{9183A81F-009A-42D7-B613-E96868422746}"/>
+          </ac:spMkLst>
+        </pc:spChg>
+        <pc:spChg chg="mod">
+          <ac:chgData name="Julian Singkham" userId="77a7452b-9e86-4f2b-a3c8-2f6c6990f908" providerId="ADAL" clId="{B4811F05-F687-47FA-9EF3-D28DB084D5D4}" dt="2022-12-02T19:38:50.743" v="1697" actId="14100"/>
+          <ac:spMkLst>
+            <pc:docMk/>
+            <pc:sldMk cId="3541099806" sldId="276"/>
+            <ac:spMk id="3" creationId="{2A16DDFF-CE71-4788-A4C9-7D63DCCC9980}"/>
+          </ac:spMkLst>
+        </pc:spChg>
+        <pc:spChg chg="add mod">
+          <ac:chgData name="Julian Singkham" userId="77a7452b-9e86-4f2b-a3c8-2f6c6990f908" providerId="ADAL" clId="{B4811F05-F687-47FA-9EF3-D28DB084D5D4}" dt="2022-12-03T00:02:12.670" v="3683" actId="20577"/>
+          <ac:spMkLst>
+            <pc:docMk/>
+            <pc:sldMk cId="3541099806" sldId="276"/>
+            <ac:spMk id="4" creationId="{A8E96034-A816-7724-58CE-8D7024BFE01F}"/>
+          </ac:spMkLst>
+        </pc:spChg>
+        <pc:spChg chg="add mod">
+          <ac:chgData name="Julian Singkham" userId="77a7452b-9e86-4f2b-a3c8-2f6c6990f908" providerId="ADAL" clId="{B4811F05-F687-47FA-9EF3-D28DB084D5D4}" dt="2022-12-02T19:57:28.562" v="2436" actId="14100"/>
+          <ac:spMkLst>
+            <pc:docMk/>
+            <pc:sldMk cId="3541099806" sldId="276"/>
+            <ac:spMk id="5" creationId="{3D13C208-EE3B-D79F-FB24-063A9CD11C4D}"/>
+          </ac:spMkLst>
+        </pc:spChg>
+        <pc:spChg chg="add mod">
+          <ac:chgData name="Julian Singkham" userId="77a7452b-9e86-4f2b-a3c8-2f6c6990f908" providerId="ADAL" clId="{B4811F05-F687-47FA-9EF3-D28DB084D5D4}" dt="2022-12-02T20:15:40.430" v="2447" actId="14100"/>
+          <ac:spMkLst>
+            <pc:docMk/>
+            <pc:sldMk cId="3541099806" sldId="276"/>
+            <ac:spMk id="6" creationId="{4D73708D-5300-058D-1DB9-4B19BBC0DA76}"/>
+          </ac:spMkLst>
+        </pc:spChg>
+      </pc:sldChg>
+      <pc:sldChg chg="modSp add del mod">
+        <pc:chgData name="Julian Singkham" userId="77a7452b-9e86-4f2b-a3c8-2f6c6990f908" providerId="ADAL" clId="{B4811F05-F687-47FA-9EF3-D28DB084D5D4}" dt="2022-12-02T19:30:12.960" v="1279" actId="2696"/>
+        <pc:sldMkLst>
+          <pc:docMk/>
+          <pc:sldMk cId="3434114957" sldId="277"/>
+        </pc:sldMkLst>
+        <pc:spChg chg="mod">
+          <ac:chgData name="Julian Singkham" userId="77a7452b-9e86-4f2b-a3c8-2f6c6990f908" providerId="ADAL" clId="{B4811F05-F687-47FA-9EF3-D28DB084D5D4}" dt="2022-12-02T19:29:52.709" v="1278"/>
+          <ac:spMkLst>
+            <pc:docMk/>
+            <pc:sldMk cId="3434114957" sldId="277"/>
+            <ac:spMk id="2" creationId="{CB0B39AB-A777-6976-B354-9DB748E9456C}"/>
+          </ac:spMkLst>
+        </pc:spChg>
+      </pc:sldChg>
+      <pc:sldChg chg="modSp new mod">
+        <pc:chgData name="Julian Singkham" userId="77a7452b-9e86-4f2b-a3c8-2f6c6990f908" providerId="ADAL" clId="{B4811F05-F687-47FA-9EF3-D28DB084D5D4}" dt="2022-12-03T00:05:54.140" v="3866" actId="20577"/>
+        <pc:sldMkLst>
+          <pc:docMk/>
+          <pc:sldMk cId="3729661201" sldId="277"/>
+        </pc:sldMkLst>
+        <pc:spChg chg="mod">
+          <ac:chgData name="Julian Singkham" userId="77a7452b-9e86-4f2b-a3c8-2f6c6990f908" providerId="ADAL" clId="{B4811F05-F687-47FA-9EF3-D28DB084D5D4}" dt="2022-12-02T23:40:10.192" v="2894" actId="20577"/>
+          <ac:spMkLst>
+            <pc:docMk/>
+            <pc:sldMk cId="3729661201" sldId="277"/>
+            <ac:spMk id="2" creationId="{249A5E6E-C974-BD13-CB21-A1C736E31EA5}"/>
+          </ac:spMkLst>
+        </pc:spChg>
+        <pc:spChg chg="mod">
+          <ac:chgData name="Julian Singkham" userId="77a7452b-9e86-4f2b-a3c8-2f6c6990f908" providerId="ADAL" clId="{B4811F05-F687-47FA-9EF3-D28DB084D5D4}" dt="2022-12-03T00:05:54.140" v="3866" actId="20577"/>
+          <ac:spMkLst>
+            <pc:docMk/>
+            <pc:sldMk cId="3729661201" sldId="277"/>
+            <ac:spMk id="3" creationId="{ACDE499D-BACA-49AD-B486-B9D7FE7866B9}"/>
+          </ac:spMkLst>
+        </pc:spChg>
+      </pc:sldChg>
+      <pc:sldChg chg="addSp delSp modSp new mod ord">
+        <pc:chgData name="Julian Singkham" userId="77a7452b-9e86-4f2b-a3c8-2f6c6990f908" providerId="ADAL" clId="{B4811F05-F687-47FA-9EF3-D28DB084D5D4}" dt="2022-12-02T20:21:16.424" v="2572" actId="14100"/>
+        <pc:sldMkLst>
+          <pc:docMk/>
+          <pc:sldMk cId="1633953125" sldId="278"/>
+        </pc:sldMkLst>
+        <pc:spChg chg="mod">
+          <ac:chgData name="Julian Singkham" userId="77a7452b-9e86-4f2b-a3c8-2f6c6990f908" providerId="ADAL" clId="{B4811F05-F687-47FA-9EF3-D28DB084D5D4}" dt="2022-12-02T20:18:05.908" v="2448"/>
+          <ac:spMkLst>
+            <pc:docMk/>
+            <pc:sldMk cId="1633953125" sldId="278"/>
+            <ac:spMk id="2" creationId="{1B4B088D-86DE-B7F1-5280-36193FDE32EB}"/>
+          </ac:spMkLst>
+        </pc:spChg>
+        <pc:spChg chg="add del mod">
+          <ac:chgData name="Julian Singkham" userId="77a7452b-9e86-4f2b-a3c8-2f6c6990f908" providerId="ADAL" clId="{B4811F05-F687-47FA-9EF3-D28DB084D5D4}" dt="2022-12-02T20:21:16.424" v="2572" actId="14100"/>
+          <ac:spMkLst>
+            <pc:docMk/>
+            <pc:sldMk cId="1633953125" sldId="278"/>
+            <ac:spMk id="3" creationId="{A8F48A4A-658C-DBE5-1394-2FEC61169F6C}"/>
+          </ac:spMkLst>
+        </pc:spChg>
+        <pc:spChg chg="add del mod">
+          <ac:chgData name="Julian Singkham" userId="77a7452b-9e86-4f2b-a3c8-2f6c6990f908" providerId="ADAL" clId="{B4811F05-F687-47FA-9EF3-D28DB084D5D4}" dt="2022-12-02T20:19:20.623" v="2496" actId="478"/>
+          <ac:spMkLst>
+            <pc:docMk/>
+            <pc:sldMk cId="1633953125" sldId="278"/>
+            <ac:spMk id="8" creationId="{62E4F98D-EE37-E5C1-3377-6AFCC3AB8F3C}"/>
+          </ac:spMkLst>
+        </pc:spChg>
+        <pc:picChg chg="add del mod">
+          <ac:chgData name="Julian Singkham" userId="77a7452b-9e86-4f2b-a3c8-2f6c6990f908" providerId="ADAL" clId="{B4811F05-F687-47FA-9EF3-D28DB084D5D4}" dt="2022-12-02T20:18:44.171" v="2471" actId="931"/>
+          <ac:picMkLst>
+            <pc:docMk/>
+            <pc:sldMk cId="1633953125" sldId="278"/>
+            <ac:picMk id="5" creationId="{35A2D172-659A-1822-D8F2-A2119DC2CFFA}"/>
+          </ac:picMkLst>
+        </pc:picChg>
+        <pc:picChg chg="add del mod">
+          <ac:chgData name="Julian Singkham" userId="77a7452b-9e86-4f2b-a3c8-2f6c6990f908" providerId="ADAL" clId="{B4811F05-F687-47FA-9EF3-D28DB084D5D4}" dt="2022-12-02T20:19:02.489" v="2479" actId="931"/>
+          <ac:picMkLst>
+            <pc:docMk/>
+            <pc:sldMk cId="1633953125" sldId="278"/>
+            <ac:picMk id="7" creationId="{ACFD3FC3-CECD-6C7B-9004-60A7CE00B9FD}"/>
+          </ac:picMkLst>
+        </pc:picChg>
+        <pc:picChg chg="add mod">
+          <ac:chgData name="Julian Singkham" userId="77a7452b-9e86-4f2b-a3c8-2f6c6990f908" providerId="ADAL" clId="{B4811F05-F687-47FA-9EF3-D28DB084D5D4}" dt="2022-12-02T20:21:08.015" v="2571" actId="1076"/>
+          <ac:picMkLst>
+            <pc:docMk/>
+            <pc:sldMk cId="1633953125" sldId="278"/>
+            <ac:picMk id="10" creationId="{3C26C623-3A4C-0569-C224-EA1979CBB356}"/>
+          </ac:picMkLst>
+        </pc:picChg>
+      </pc:sldChg>
+      <pc:sldChg chg="modSp add mod ord">
+        <pc:chgData name="Julian Singkham" userId="77a7452b-9e86-4f2b-a3c8-2f6c6990f908" providerId="ADAL" clId="{B4811F05-F687-47FA-9EF3-D28DB084D5D4}" dt="2022-12-02T20:18:18.931" v="2463" actId="20577"/>
+        <pc:sldMkLst>
+          <pc:docMk/>
+          <pc:sldMk cId="1521663151" sldId="279"/>
+        </pc:sldMkLst>
+        <pc:spChg chg="mod">
+          <ac:chgData name="Julian Singkham" userId="77a7452b-9e86-4f2b-a3c8-2f6c6990f908" providerId="ADAL" clId="{B4811F05-F687-47FA-9EF3-D28DB084D5D4}" dt="2022-12-02T20:18:18.931" v="2463" actId="20577"/>
+          <ac:spMkLst>
+            <pc:docMk/>
+            <pc:sldMk cId="1521663151" sldId="279"/>
+            <ac:spMk id="2" creationId="{7DC66959-3528-4ADB-BDB9-3C105C4F7218}"/>
+          </ac:spMkLst>
+        </pc:spChg>
+      </pc:sldChg>
+      <pc:sldChg chg="modSp add mod">
+        <pc:chgData name="Julian Singkham" userId="77a7452b-9e86-4f2b-a3c8-2f6c6990f908" providerId="ADAL" clId="{B4811F05-F687-47FA-9EF3-D28DB084D5D4}" dt="2022-12-02T20:23:58.615" v="2657"/>
+        <pc:sldMkLst>
+          <pc:docMk/>
+          <pc:sldMk cId="146089090" sldId="280"/>
+        </pc:sldMkLst>
+        <pc:spChg chg="mod">
+          <ac:chgData name="Julian Singkham" userId="77a7452b-9e86-4f2b-a3c8-2f6c6990f908" providerId="ADAL" clId="{B4811F05-F687-47FA-9EF3-D28DB084D5D4}" dt="2022-12-02T20:23:58.615" v="2657"/>
+          <ac:spMkLst>
+            <pc:docMk/>
+            <pc:sldMk cId="146089090" sldId="280"/>
+            <ac:spMk id="2" creationId="{1B4B088D-86DE-B7F1-5280-36193FDE32EB}"/>
+          </ac:spMkLst>
+        </pc:spChg>
+        <pc:spChg chg="mod">
+          <ac:chgData name="Julian Singkham" userId="77a7452b-9e86-4f2b-a3c8-2f6c6990f908" providerId="ADAL" clId="{B4811F05-F687-47FA-9EF3-D28DB084D5D4}" dt="2022-12-02T20:23:38.152" v="2656" actId="27636"/>
+          <ac:spMkLst>
+            <pc:docMk/>
+            <pc:sldMk cId="146089090" sldId="280"/>
+            <ac:spMk id="3" creationId="{A8F48A4A-658C-DBE5-1394-2FEC61169F6C}"/>
+          </ac:spMkLst>
+        </pc:spChg>
+        <pc:picChg chg="mod">
+          <ac:chgData name="Julian Singkham" userId="77a7452b-9e86-4f2b-a3c8-2f6c6990f908" providerId="ADAL" clId="{B4811F05-F687-47FA-9EF3-D28DB084D5D4}" dt="2022-12-02T20:22:14.824" v="2574" actId="14826"/>
+          <ac:picMkLst>
+            <pc:docMk/>
+            <pc:sldMk cId="146089090" sldId="280"/>
+            <ac:picMk id="10" creationId="{3C26C623-3A4C-0569-C224-EA1979CBB356}"/>
+          </ac:picMkLst>
+        </pc:picChg>
+      </pc:sldChg>
+      <pc:sldChg chg="addSp delSp modSp add mod">
+        <pc:chgData name="Julian Singkham" userId="77a7452b-9e86-4f2b-a3c8-2f6c6990f908" providerId="ADAL" clId="{B4811F05-F687-47FA-9EF3-D28DB084D5D4}" dt="2022-12-02T23:35:10.475" v="2749" actId="114"/>
+        <pc:sldMkLst>
+          <pc:docMk/>
+          <pc:sldMk cId="3162701775" sldId="281"/>
+        </pc:sldMkLst>
+        <pc:spChg chg="mod">
+          <ac:chgData name="Julian Singkham" userId="77a7452b-9e86-4f2b-a3c8-2f6c6990f908" providerId="ADAL" clId="{B4811F05-F687-47FA-9EF3-D28DB084D5D4}" dt="2022-12-02T23:33:47.014" v="2709" actId="20577"/>
+          <ac:spMkLst>
+            <pc:docMk/>
+            <pc:sldMk cId="3162701775" sldId="281"/>
+            <ac:spMk id="2" creationId="{1B4B088D-86DE-B7F1-5280-36193FDE32EB}"/>
+          </ac:spMkLst>
+        </pc:spChg>
+        <pc:spChg chg="mod">
+          <ac:chgData name="Julian Singkham" userId="77a7452b-9e86-4f2b-a3c8-2f6c6990f908" providerId="ADAL" clId="{B4811F05-F687-47FA-9EF3-D28DB084D5D4}" dt="2022-12-02T23:35:10.475" v="2749" actId="114"/>
+          <ac:spMkLst>
+            <pc:docMk/>
+            <pc:sldMk cId="3162701775" sldId="281"/>
+            <ac:spMk id="3" creationId="{A8F48A4A-658C-DBE5-1394-2FEC61169F6C}"/>
+          </ac:spMkLst>
+        </pc:spChg>
+        <pc:picChg chg="add mod modCrop">
+          <ac:chgData name="Julian Singkham" userId="77a7452b-9e86-4f2b-a3c8-2f6c6990f908" providerId="ADAL" clId="{B4811F05-F687-47FA-9EF3-D28DB084D5D4}" dt="2022-12-02T23:34:25.247" v="2715" actId="14100"/>
+          <ac:picMkLst>
+            <pc:docMk/>
+            <pc:sldMk cId="3162701775" sldId="281"/>
+            <ac:picMk id="5" creationId="{2EAD7C88-240B-D89E-1A91-69921908AAE4}"/>
+          </ac:picMkLst>
+        </pc:picChg>
+        <pc:picChg chg="del">
+          <ac:chgData name="Julian Singkham" userId="77a7452b-9e86-4f2b-a3c8-2f6c6990f908" providerId="ADAL" clId="{B4811F05-F687-47FA-9EF3-D28DB084D5D4}" dt="2022-12-02T23:34:09.459" v="2711" actId="478"/>
+          <ac:picMkLst>
+            <pc:docMk/>
+            <pc:sldMk cId="3162701775" sldId="281"/>
+            <ac:picMk id="10" creationId="{3C26C623-3A4C-0569-C224-EA1979CBB356}"/>
+          </ac:picMkLst>
+        </pc:picChg>
+      </pc:sldChg>
+      <pc:sldChg chg="addSp delSp modSp add mod">
+        <pc:chgData name="Julian Singkham" userId="77a7452b-9e86-4f2b-a3c8-2f6c6990f908" providerId="ADAL" clId="{B4811F05-F687-47FA-9EF3-D28DB084D5D4}" dt="2022-12-02T23:38:21.518" v="2824" actId="14100"/>
+        <pc:sldMkLst>
+          <pc:docMk/>
+          <pc:sldMk cId="3442445385" sldId="282"/>
+        </pc:sldMkLst>
+        <pc:spChg chg="mod">
+          <ac:chgData name="Julian Singkham" userId="77a7452b-9e86-4f2b-a3c8-2f6c6990f908" providerId="ADAL" clId="{B4811F05-F687-47FA-9EF3-D28DB084D5D4}" dt="2022-12-02T23:37:42.651" v="2806" actId="20577"/>
+          <ac:spMkLst>
+            <pc:docMk/>
+            <pc:sldMk cId="3442445385" sldId="282"/>
+            <ac:spMk id="2" creationId="{1B4B088D-86DE-B7F1-5280-36193FDE32EB}"/>
+          </ac:spMkLst>
+        </pc:spChg>
+        <pc:spChg chg="del">
+          <ac:chgData name="Julian Singkham" userId="77a7452b-9e86-4f2b-a3c8-2f6c6990f908" providerId="ADAL" clId="{B4811F05-F687-47FA-9EF3-D28DB084D5D4}" dt="2022-12-02T23:37:59.775" v="2811" actId="478"/>
+          <ac:spMkLst>
+            <pc:docMk/>
+            <pc:sldMk cId="3442445385" sldId="282"/>
+            <ac:spMk id="3" creationId="{A8F48A4A-658C-DBE5-1394-2FEC61169F6C}"/>
+          </ac:spMkLst>
+        </pc:spChg>
+        <pc:spChg chg="add del mod">
+          <ac:chgData name="Julian Singkham" userId="77a7452b-9e86-4f2b-a3c8-2f6c6990f908" providerId="ADAL" clId="{B4811F05-F687-47FA-9EF3-D28DB084D5D4}" dt="2022-12-02T23:38:01.917" v="2812" actId="478"/>
+          <ac:spMkLst>
+            <pc:docMk/>
+            <pc:sldMk cId="3442445385" sldId="282"/>
+            <ac:spMk id="8" creationId="{E5844663-0B6D-7B99-3921-F6F8C948C0D5}"/>
+          </ac:spMkLst>
+        </pc:spChg>
+        <pc:picChg chg="add del">
+          <ac:chgData name="Julian Singkham" userId="77a7452b-9e86-4f2b-a3c8-2f6c6990f908" providerId="ADAL" clId="{B4811F05-F687-47FA-9EF3-D28DB084D5D4}" dt="2022-12-02T23:37:49.565" v="2808" actId="478"/>
+          <ac:picMkLst>
+            <pc:docMk/>
+            <pc:sldMk cId="3442445385" sldId="282"/>
+            <ac:picMk id="4" creationId="{2D55B735-D4F6-0610-AA9B-BDEAFAC6CFA4}"/>
+          </ac:picMkLst>
+        </pc:picChg>
+        <pc:picChg chg="del">
+          <ac:chgData name="Julian Singkham" userId="77a7452b-9e86-4f2b-a3c8-2f6c6990f908" providerId="ADAL" clId="{B4811F05-F687-47FA-9EF3-D28DB084D5D4}" dt="2022-12-02T23:38:03.968" v="2814" actId="478"/>
+          <ac:picMkLst>
+            <pc:docMk/>
+            <pc:sldMk cId="3442445385" sldId="282"/>
+            <ac:picMk id="5" creationId="{2EAD7C88-240B-D89E-1A91-69921908AAE4}"/>
+          </ac:picMkLst>
+        </pc:picChg>
+        <pc:picChg chg="add del mod">
+          <ac:chgData name="Julian Singkham" userId="77a7452b-9e86-4f2b-a3c8-2f6c6990f908" providerId="ADAL" clId="{B4811F05-F687-47FA-9EF3-D28DB084D5D4}" dt="2022-12-02T23:38:06.312" v="2817" actId="478"/>
+          <ac:picMkLst>
+            <pc:docMk/>
+            <pc:sldMk cId="3442445385" sldId="282"/>
+            <ac:picMk id="6" creationId="{44AB6620-F792-0067-8200-53C7F4AD7BAF}"/>
+          </ac:picMkLst>
+        </pc:picChg>
+        <pc:picChg chg="add mod">
+          <ac:chgData name="Julian Singkham" userId="77a7452b-9e86-4f2b-a3c8-2f6c6990f908" providerId="ADAL" clId="{B4811F05-F687-47FA-9EF3-D28DB084D5D4}" dt="2022-12-02T23:38:21.518" v="2824" actId="14100"/>
+          <ac:picMkLst>
+            <pc:docMk/>
+            <pc:sldMk cId="3442445385" sldId="282"/>
+            <ac:picMk id="10" creationId="{B558D18D-E3D3-DC73-3AA5-2558A633D6DD}"/>
+          </ac:picMkLst>
+        </pc:picChg>
+      </pc:sldChg>
+      <pc:sldChg chg="addSp delSp modSp add mod">
+        <pc:chgData name="Julian Singkham" userId="77a7452b-9e86-4f2b-a3c8-2f6c6990f908" providerId="ADAL" clId="{B4811F05-F687-47FA-9EF3-D28DB084D5D4}" dt="2022-12-02T23:46:07.821" v="2936" actId="1076"/>
+        <pc:sldMkLst>
+          <pc:docMk/>
+          <pc:sldMk cId="3393652702" sldId="283"/>
+        </pc:sldMkLst>
+        <pc:spChg chg="mod">
+          <ac:chgData name="Julian Singkham" userId="77a7452b-9e86-4f2b-a3c8-2f6c6990f908" providerId="ADAL" clId="{B4811F05-F687-47FA-9EF3-D28DB084D5D4}" dt="2022-12-02T23:38:50.037" v="2847" actId="20577"/>
+          <ac:spMkLst>
+            <pc:docMk/>
+            <pc:sldMk cId="3393652702" sldId="283"/>
+            <ac:spMk id="2" creationId="{1B4B088D-86DE-B7F1-5280-36193FDE32EB}"/>
+          </ac:spMkLst>
+        </pc:spChg>
+        <pc:picChg chg="add mod">
+          <ac:chgData name="Julian Singkham" userId="77a7452b-9e86-4f2b-a3c8-2f6c6990f908" providerId="ADAL" clId="{B4811F05-F687-47FA-9EF3-D28DB084D5D4}" dt="2022-12-02T23:46:07.821" v="2936" actId="1076"/>
+          <ac:picMkLst>
+            <pc:docMk/>
+            <pc:sldMk cId="3393652702" sldId="283"/>
+            <ac:picMk id="4" creationId="{DCD69AB7-2DE1-31A5-F43D-BA78CDBE0F1F}"/>
+          </ac:picMkLst>
+        </pc:picChg>
+        <pc:picChg chg="del">
+          <ac:chgData name="Julian Singkham" userId="77a7452b-9e86-4f2b-a3c8-2f6c6990f908" providerId="ADAL" clId="{B4811F05-F687-47FA-9EF3-D28DB084D5D4}" dt="2022-12-02T23:38:42.378" v="2826" actId="478"/>
+          <ac:picMkLst>
+            <pc:docMk/>
+            <pc:sldMk cId="3393652702" sldId="283"/>
+            <ac:picMk id="10" creationId="{B558D18D-E3D3-DC73-3AA5-2558A633D6DD}"/>
+          </ac:picMkLst>
+        </pc:picChg>
+      </pc:sldChg>
+      <pc:sldChg chg="modSp add mod">
+        <pc:chgData name="Julian Singkham" userId="77a7452b-9e86-4f2b-a3c8-2f6c6990f908" providerId="ADAL" clId="{B4811F05-F687-47FA-9EF3-D28DB084D5D4}" dt="2022-12-02T23:40:48.044" v="2926" actId="20577"/>
+        <pc:sldMkLst>
+          <pc:docMk/>
+          <pc:sldMk cId="596566497" sldId="284"/>
+        </pc:sldMkLst>
+        <pc:spChg chg="mod">
+          <ac:chgData name="Julian Singkham" userId="77a7452b-9e86-4f2b-a3c8-2f6c6990f908" providerId="ADAL" clId="{B4811F05-F687-47FA-9EF3-D28DB084D5D4}" dt="2022-12-02T23:40:48.044" v="2926" actId="20577"/>
+          <ac:spMkLst>
+            <pc:docMk/>
+            <pc:sldMk cId="596566497" sldId="284"/>
+            <ac:spMk id="2" creationId="{66F69949-DA6C-4E4E-8672-51C979FC87A8}"/>
+          </ac:spMkLst>
+        </pc:spChg>
+      </pc:sldChg>
+      <pc:sldChg chg="new del">
+        <pc:chgData name="Julian Singkham" userId="77a7452b-9e86-4f2b-a3c8-2f6c6990f908" providerId="ADAL" clId="{B4811F05-F687-47FA-9EF3-D28DB084D5D4}" dt="2022-12-02T23:40:55.962" v="2928" actId="680"/>
+        <pc:sldMkLst>
+          <pc:docMk/>
+          <pc:sldMk cId="1084943502" sldId="285"/>
+        </pc:sldMkLst>
+      </pc:sldChg>
+      <pc:sldChg chg="addSp modSp new mod">
+        <pc:chgData name="Julian Singkham" userId="77a7452b-9e86-4f2b-a3c8-2f6c6990f908" providerId="ADAL" clId="{B4811F05-F687-47FA-9EF3-D28DB084D5D4}" dt="2022-12-02T23:41:33.696" v="2934" actId="20577"/>
+        <pc:sldMkLst>
+          <pc:docMk/>
+          <pc:sldMk cId="3186341331" sldId="285"/>
+        </pc:sldMkLst>
+        <pc:spChg chg="add mod">
+          <ac:chgData name="Julian Singkham" userId="77a7452b-9e86-4f2b-a3c8-2f6c6990f908" providerId="ADAL" clId="{B4811F05-F687-47FA-9EF3-D28DB084D5D4}" dt="2022-12-02T23:41:33.696" v="2934" actId="20577"/>
+          <ac:spMkLst>
+            <pc:docMk/>
+            <pc:sldMk cId="3186341331" sldId="285"/>
+            <ac:spMk id="2" creationId="{F84D79FE-4781-6DA7-E564-25D8A7547CA4}"/>
+          </ac:spMkLst>
+        </pc:spChg>
+      </pc:sldChg>
+      <pc:sldChg chg="addSp delSp modSp add mod">
+        <pc:chgData name="Julian Singkham" userId="77a7452b-9e86-4f2b-a3c8-2f6c6990f908" providerId="ADAL" clId="{B4811F05-F687-47FA-9EF3-D28DB084D5D4}" dt="2022-12-03T00:04:29.272" v="3823" actId="20577"/>
+        <pc:sldMkLst>
+          <pc:docMk/>
+          <pc:sldMk cId="1250684700" sldId="286"/>
+        </pc:sldMkLst>
+        <pc:spChg chg="mod">
+          <ac:chgData name="Julian Singkham" userId="77a7452b-9e86-4f2b-a3c8-2f6c6990f908" providerId="ADAL" clId="{B4811F05-F687-47FA-9EF3-D28DB084D5D4}" dt="2022-12-02T23:48:06.091" v="2964" actId="20577"/>
+          <ac:spMkLst>
+            <pc:docMk/>
+            <pc:sldMk cId="1250684700" sldId="286"/>
+            <ac:spMk id="2" creationId="{1B4B088D-86DE-B7F1-5280-36193FDE32EB}"/>
+          </ac:spMkLst>
+        </pc:spChg>
+        <pc:spChg chg="del">
+          <ac:chgData name="Julian Singkham" userId="77a7452b-9e86-4f2b-a3c8-2f6c6990f908" providerId="ADAL" clId="{B4811F05-F687-47FA-9EF3-D28DB084D5D4}" dt="2022-12-02T23:47:53.401" v="2944" actId="478"/>
+          <ac:spMkLst>
+            <pc:docMk/>
+            <pc:sldMk cId="1250684700" sldId="286"/>
+            <ac:spMk id="3" creationId="{A8F48A4A-658C-DBE5-1394-2FEC61169F6C}"/>
+          </ac:spMkLst>
+        </pc:spChg>
+        <pc:spChg chg="add del mod">
+          <ac:chgData name="Julian Singkham" userId="77a7452b-9e86-4f2b-a3c8-2f6c6990f908" providerId="ADAL" clId="{B4811F05-F687-47FA-9EF3-D28DB084D5D4}" dt="2022-12-02T23:47:55.652" v="2945" actId="478"/>
+          <ac:spMkLst>
+            <pc:docMk/>
+            <pc:sldMk cId="1250684700" sldId="286"/>
+            <ac:spMk id="8" creationId="{9BBBED66-8148-E018-F9FE-84F0D721FB86}"/>
+          </ac:spMkLst>
+        </pc:spChg>
+        <pc:spChg chg="add mod">
+          <ac:chgData name="Julian Singkham" userId="77a7452b-9e86-4f2b-a3c8-2f6c6990f908" providerId="ADAL" clId="{B4811F05-F687-47FA-9EF3-D28DB084D5D4}" dt="2022-12-03T00:04:29.272" v="3823" actId="20577"/>
+          <ac:spMkLst>
+            <pc:docMk/>
+            <pc:sldMk cId="1250684700" sldId="286"/>
+            <ac:spMk id="9" creationId="{0727E62D-C461-9994-8482-747E3793CD8F}"/>
+          </ac:spMkLst>
+        </pc:spChg>
+        <pc:picChg chg="del">
+          <ac:chgData name="Julian Singkham" userId="77a7452b-9e86-4f2b-a3c8-2f6c6990f908" providerId="ADAL" clId="{B4811F05-F687-47FA-9EF3-D28DB084D5D4}" dt="2022-12-02T23:47:27.539" v="2939" actId="478"/>
+          <ac:picMkLst>
+            <pc:docMk/>
+            <pc:sldMk cId="1250684700" sldId="286"/>
+            <ac:picMk id="5" creationId="{2EAD7C88-240B-D89E-1A91-69921908AAE4}"/>
+          </ac:picMkLst>
+        </pc:picChg>
+        <pc:picChg chg="add mod">
+          <ac:chgData name="Julian Singkham" userId="77a7452b-9e86-4f2b-a3c8-2f6c6990f908" providerId="ADAL" clId="{B4811F05-F687-47FA-9EF3-D28DB084D5D4}" dt="2022-12-02T23:48:08.395" v="2966" actId="1076"/>
+          <ac:picMkLst>
+            <pc:docMk/>
+            <pc:sldMk cId="1250684700" sldId="286"/>
+            <ac:picMk id="6" creationId="{5B0F9FDE-D884-301A-6D4E-EE90EFBE4096}"/>
+          </ac:picMkLst>
+        </pc:picChg>
+      </pc:sldChg>
+      <pc:sldChg chg="new del">
+        <pc:chgData name="Julian Singkham" userId="77a7452b-9e86-4f2b-a3c8-2f6c6990f908" providerId="ADAL" clId="{B4811F05-F687-47FA-9EF3-D28DB084D5D4}" dt="2022-12-02T23:56:47.443" v="3545" actId="2696"/>
+        <pc:sldMkLst>
+          <pc:docMk/>
+          <pc:sldMk cId="2692725293" sldId="287"/>
+        </pc:sldMkLst>
+      </pc:sldChg>
+    </pc:docChg>
+  </pc:docChgLst>
+</pc:chgInfo>
 </file>
 
 <file path=ppt/charts/chart1.xml><?xml version="1.0" encoding="utf-8"?>
@@ -5167,7 +5729,7 @@
           <a:p>
             <a:fld id="{BC0F649D-F31A-4EF3-BED3-D79717A250B7}" type="datetimeFigureOut">
               <a:rPr lang="en-US" smtClean="0"/>
-              <a:t>3/23/2022</a:t>
+              <a:t>12/2/2022</a:t>
             </a:fld>
             <a:endParaRPr lang="en-US"/>
           </a:p>
@@ -5510,7 +6072,7 @@
           <a:p>
             <a:fld id="{E21664F7-91BC-44BC-A8B7-9670B05DD8A5}" type="slidenum">
               <a:rPr lang="en-US" smtClean="0"/>
-              <a:t>7</a:t>
+              <a:t>18</a:t>
             </a:fld>
             <a:endParaRPr lang="en-US"/>
           </a:p>
@@ -5597,7 +6159,7 @@
           <a:p>
             <a:fld id="{E21664F7-91BC-44BC-A8B7-9670B05DD8A5}" type="slidenum">
               <a:rPr lang="en-US" smtClean="0"/>
-              <a:t>9</a:t>
+              <a:t>20</a:t>
             </a:fld>
             <a:endParaRPr lang="en-US"/>
           </a:p>
@@ -5702,7 +6264,7 @@
           <a:p>
             <a:fld id="{E21664F7-91BC-44BC-A8B7-9670B05DD8A5}" type="slidenum">
               <a:rPr lang="en-US" smtClean="0"/>
-              <a:t>10</a:t>
+              <a:t>21</a:t>
             </a:fld>
             <a:endParaRPr lang="en-US"/>
           </a:p>
@@ -5809,7 +6371,7 @@
           <a:p>
             <a:fld id="{E21664F7-91BC-44BC-A8B7-9670B05DD8A5}" type="slidenum">
               <a:rPr lang="en-US" smtClean="0"/>
-              <a:t>11</a:t>
+              <a:t>22</a:t>
             </a:fld>
             <a:endParaRPr lang="en-US"/>
           </a:p>
@@ -5916,7 +6478,7 @@
           <a:p>
             <a:fld id="{E21664F7-91BC-44BC-A8B7-9670B05DD8A5}" type="slidenum">
               <a:rPr lang="en-US" smtClean="0"/>
-              <a:t>12</a:t>
+              <a:t>23</a:t>
             </a:fld>
             <a:endParaRPr lang="en-US"/>
           </a:p>
@@ -6092,7 +6654,7 @@
           <a:p>
             <a:fld id="{64F0E216-BA48-4F04-AC4F-645AA0DD6AC6}" type="datetimeFigureOut">
               <a:rPr lang="en-US" smtClean="0"/>
-              <a:t>3/23/2022</a:t>
+              <a:t>12/2/2022</a:t>
             </a:fld>
             <a:endParaRPr lang="en-US"/>
           </a:p>
@@ -7139,7 +7701,7 @@
           <a:p>
             <a:fld id="{64F0E216-BA48-4F04-AC4F-645AA0DD6AC6}" type="datetimeFigureOut">
               <a:rPr lang="en-US" smtClean="0"/>
-              <a:t>3/23/2022</a:t>
+              <a:t>12/2/2022</a:t>
             </a:fld>
             <a:endParaRPr lang="en-US"/>
           </a:p>
@@ -7373,7 +7935,7 @@
           <a:p>
             <a:fld id="{64F0E216-BA48-4F04-AC4F-645AA0DD6AC6}" type="datetimeFigureOut">
               <a:rPr lang="en-US" smtClean="0"/>
-              <a:t>3/23/2022</a:t>
+              <a:t>12/2/2022</a:t>
             </a:fld>
             <a:endParaRPr lang="en-US"/>
           </a:p>
@@ -7595,7 +8157,7 @@
           <a:p>
             <a:fld id="{64F0E216-BA48-4F04-AC4F-645AA0DD6AC6}" type="datetimeFigureOut">
               <a:rPr lang="en-US" smtClean="0"/>
-              <a:t>3/23/2022</a:t>
+              <a:t>12/2/2022</a:t>
             </a:fld>
             <a:endParaRPr lang="en-US"/>
           </a:p>
@@ -7896,7 +8458,7 @@
           <a:p>
             <a:fld id="{64F0E216-BA48-4F04-AC4F-645AA0DD6AC6}" type="datetimeFigureOut">
               <a:rPr lang="en-US" smtClean="0"/>
-              <a:t>3/23/2022</a:t>
+              <a:t>12/2/2022</a:t>
             </a:fld>
             <a:endParaRPr lang="en-US"/>
           </a:p>
@@ -9357,7 +9919,7 @@
           <a:p>
             <a:fld id="{64F0E216-BA48-4F04-AC4F-645AA0DD6AC6}" type="datetimeFigureOut">
               <a:rPr lang="en-US" smtClean="0"/>
-              <a:t>3/23/2022</a:t>
+              <a:t>12/2/2022</a:t>
             </a:fld>
             <a:endParaRPr lang="en-US"/>
           </a:p>
@@ -9821,7 +10383,7 @@
           <a:p>
             <a:fld id="{64F0E216-BA48-4F04-AC4F-645AA0DD6AC6}" type="datetimeFigureOut">
               <a:rPr lang="en-US" smtClean="0"/>
-              <a:t>3/23/2022</a:t>
+              <a:t>12/2/2022</a:t>
             </a:fld>
             <a:endParaRPr lang="en-US"/>
           </a:p>
@@ -9995,7 +10557,7 @@
           <a:p>
             <a:fld id="{64F0E216-BA48-4F04-AC4F-645AA0DD6AC6}" type="datetimeFigureOut">
               <a:rPr lang="en-US" smtClean="0"/>
-              <a:t>3/23/2022</a:t>
+              <a:t>12/2/2022</a:t>
             </a:fld>
             <a:endParaRPr lang="en-US"/>
           </a:p>
@@ -10132,7 +10694,7 @@
           <a:p>
             <a:fld id="{64F0E216-BA48-4F04-AC4F-645AA0DD6AC6}" type="datetimeFigureOut">
               <a:rPr lang="en-US" smtClean="0"/>
-              <a:t>3/23/2022</a:t>
+              <a:t>12/2/2022</a:t>
             </a:fld>
             <a:endParaRPr lang="en-US"/>
           </a:p>
@@ -10480,7 +11042,7 @@
           <a:p>
             <a:fld id="{64F0E216-BA48-4F04-AC4F-645AA0DD6AC6}" type="datetimeFigureOut">
               <a:rPr lang="en-US" smtClean="0"/>
-              <a:t>3/23/2022</a:t>
+              <a:t>12/2/2022</a:t>
             </a:fld>
             <a:endParaRPr lang="en-US"/>
           </a:p>
@@ -10799,7 +11361,7 @@
           <a:p>
             <a:fld id="{64F0E216-BA48-4F04-AC4F-645AA0DD6AC6}" type="datetimeFigureOut">
               <a:rPr lang="en-US" smtClean="0"/>
-              <a:t>3/23/2022</a:t>
+              <a:t>12/2/2022</a:t>
             </a:fld>
             <a:endParaRPr lang="en-US"/>
           </a:p>
@@ -11059,7 +11621,7 @@
             <a:fld id="{64F0E216-BA48-4F04-AC4F-645AA0DD6AC6}" type="datetimeFigureOut">
               <a:rPr lang="en-US" smtClean="0"/>
               <a:pPr/>
-              <a:t>3/23/2022</a:t>
+              <a:t>12/2/2022</a:t>
             </a:fld>
             <a:endParaRPr lang="en-US"/>
           </a:p>
@@ -12085,6 +12647,2598 @@
 </file>
 
 <file path=ppt/slides/slide10.xml><?xml version="1.0" encoding="utf-8"?>
+<p:sld xmlns:a="http://schemas.openxmlformats.org/drawingml/2006/main" xmlns:r="http://schemas.openxmlformats.org/officeDocument/2006/relationships" xmlns:p="http://schemas.openxmlformats.org/presentationml/2006/main">
+  <p:cSld>
+    <p:spTree>
+      <p:nvGrpSpPr>
+        <p:cNvPr id="1" name=""/>
+        <p:cNvGrpSpPr/>
+        <p:nvPr/>
+      </p:nvGrpSpPr>
+      <p:grpSpPr>
+        <a:xfrm>
+          <a:off x="0" y="0"/>
+          <a:ext cx="0" cy="0"/>
+          <a:chOff x="0" y="0"/>
+          <a:chExt cx="0" cy="0"/>
+        </a:xfrm>
+      </p:grpSpPr>
+      <p:sp>
+        <p:nvSpPr>
+          <p:cNvPr id="2" name="Title 1">
+            <a:extLst>
+              <a:ext uri="{FF2B5EF4-FFF2-40B4-BE49-F238E27FC236}">
+                <a16:creationId xmlns:a16="http://schemas.microsoft.com/office/drawing/2014/main" id="{1B4B088D-86DE-B7F1-5280-36193FDE32EB}"/>
+              </a:ext>
+            </a:extLst>
+          </p:cNvPr>
+          <p:cNvSpPr>
+            <a:spLocks noGrp="1"/>
+          </p:cNvSpPr>
+          <p:nvPr>
+            <p:ph type="title"/>
+          </p:nvPr>
+        </p:nvSpPr>
+        <p:spPr/>
+        <p:txBody>
+          <a:bodyPr/>
+          <a:lstStyle/>
+          <a:p>
+            <a:r>
+              <a:rPr lang="en-US" dirty="0"/>
+              <a:t>CUDA Grid System</a:t>
+            </a:r>
+          </a:p>
+        </p:txBody>
+      </p:sp>
+      <p:pic>
+        <p:nvPicPr>
+          <p:cNvPr id="6" name="Graphic 5">
+            <a:extLst>
+              <a:ext uri="{FF2B5EF4-FFF2-40B4-BE49-F238E27FC236}">
+                <a16:creationId xmlns:a16="http://schemas.microsoft.com/office/drawing/2014/main" id="{5B0F9FDE-D884-301A-6D4E-EE90EFBE4096}"/>
+              </a:ext>
+            </a:extLst>
+          </p:cNvPr>
+          <p:cNvPicPr>
+            <a:picLocks noChangeAspect="1"/>
+          </p:cNvPicPr>
+          <p:nvPr/>
+        </p:nvPicPr>
+        <p:blipFill>
+          <a:blip r:embed="rId2">
+            <a:extLst>
+              <a:ext uri="{28A0092B-C50C-407E-A947-70E740481C1C}">
+                <a14:useLocalDpi xmlns:a14="http://schemas.microsoft.com/office/drawing/2010/main" val="0"/>
+              </a:ext>
+              <a:ext uri="{96DAC541-7B7A-43D3-8B79-37D633B846F1}">
+                <asvg:svgBlip xmlns:asvg="http://schemas.microsoft.com/office/drawing/2016/SVG/main" r:embed="rId3"/>
+              </a:ext>
+            </a:extLst>
+          </a:blip>
+          <a:stretch>
+            <a:fillRect/>
+          </a:stretch>
+        </p:blipFill>
+        <p:spPr>
+          <a:xfrm>
+            <a:off x="5826385" y="226260"/>
+            <a:ext cx="5102451" cy="6405479"/>
+          </a:xfrm>
+          <a:prstGeom prst="rect">
+            <a:avLst/>
+          </a:prstGeom>
+        </p:spPr>
+      </p:pic>
+      <p:sp>
+        <p:nvSpPr>
+          <p:cNvPr id="9" name="TextBox 8">
+            <a:extLst>
+              <a:ext uri="{FF2B5EF4-FFF2-40B4-BE49-F238E27FC236}">
+                <a16:creationId xmlns:a16="http://schemas.microsoft.com/office/drawing/2014/main" id="{0727E62D-C461-9994-8482-747E3793CD8F}"/>
+              </a:ext>
+            </a:extLst>
+          </p:cNvPr>
+          <p:cNvSpPr txBox="1"/>
+          <p:nvPr/>
+        </p:nvSpPr>
+        <p:spPr>
+          <a:xfrm>
+            <a:off x="1079500" y="1666875"/>
+            <a:ext cx="4746885" cy="5078313"/>
+          </a:xfrm>
+          <a:prstGeom prst="rect">
+            <a:avLst/>
+          </a:prstGeom>
+          <a:noFill/>
+        </p:spPr>
+        <p:txBody>
+          <a:bodyPr wrap="square" rtlCol="0">
+            <a:spAutoFit/>
+          </a:bodyPr>
+          <a:lstStyle/>
+          <a:p>
+            <a:pPr marL="285750" indent="-285750">
+              <a:buFont typeface="Arial" panose="020B0604020202020204" pitchFamily="34" charset="0"/>
+              <a:buChar char="•"/>
+            </a:pPr>
+            <a:r>
+              <a:rPr lang="en-US" dirty="0"/>
+              <a:t>Threads can be grouped into a logical   3-D Thread Block</a:t>
+            </a:r>
+          </a:p>
+          <a:p>
+            <a:pPr marL="742950" lvl="1" indent="-285750">
+              <a:buFont typeface="Arial" panose="020B0604020202020204" pitchFamily="34" charset="0"/>
+              <a:buChar char="•"/>
+            </a:pPr>
+            <a:r>
+              <a:rPr lang="en-US" dirty="0"/>
+              <a:t>A Thread Block must be fully contained in a singular SM</a:t>
+            </a:r>
+          </a:p>
+          <a:p>
+            <a:pPr marL="742950" lvl="1" indent="-285750">
+              <a:buFont typeface="Arial" panose="020B0604020202020204" pitchFamily="34" charset="0"/>
+              <a:buChar char="•"/>
+            </a:pPr>
+            <a:r>
+              <a:rPr lang="en-US" dirty="0"/>
+              <a:t>The amount of threads in a thread block is constrained by the amount of available registers in the SM</a:t>
+            </a:r>
+          </a:p>
+          <a:p>
+            <a:pPr marL="1200150" lvl="2" indent="-285750">
+              <a:buFont typeface="Arial" panose="020B0604020202020204" pitchFamily="34" charset="0"/>
+              <a:buChar char="•"/>
+            </a:pPr>
+            <a:r>
+              <a:rPr lang="en-US" dirty="0"/>
+              <a:t>Large threads = Less threads</a:t>
+            </a:r>
+          </a:p>
+          <a:p>
+            <a:pPr marL="342900" indent="-342900">
+              <a:buFont typeface="Arial" panose="020B0604020202020204" pitchFamily="34" charset="0"/>
+              <a:buChar char="•"/>
+            </a:pPr>
+            <a:r>
+              <a:rPr lang="en-US" dirty="0"/>
+              <a:t>Multiple Thread Blocks create a Grid</a:t>
+            </a:r>
+            <a:br>
+              <a:rPr lang="en-US" dirty="0"/>
+            </a:br>
+            <a:endParaRPr lang="en-US" dirty="0"/>
+          </a:p>
+          <a:p>
+            <a:r>
+              <a:rPr lang="en-US" dirty="0"/>
+              <a:t>Example T700</a:t>
+            </a:r>
+          </a:p>
+          <a:p>
+            <a:pPr marL="285750" indent="-285750">
+              <a:buFont typeface="Arial" panose="020B0604020202020204" pitchFamily="34" charset="0"/>
+              <a:buChar char="•"/>
+            </a:pPr>
+            <a:r>
+              <a:rPr lang="en-US" dirty="0"/>
+              <a:t>64K 32-bit registers per SM</a:t>
+            </a:r>
+          </a:p>
+          <a:p>
+            <a:pPr marL="285750" indent="-285750">
+              <a:buFont typeface="Arial" panose="020B0604020202020204" pitchFamily="34" charset="0"/>
+              <a:buChar char="•"/>
+            </a:pPr>
+            <a:r>
+              <a:rPr lang="en-US" dirty="0"/>
+              <a:t>Max of 255 32-bit registers per thread</a:t>
+            </a:r>
+          </a:p>
+          <a:p>
+            <a:pPr marL="285750" indent="-285750">
+              <a:buFont typeface="Arial" panose="020B0604020202020204" pitchFamily="34" charset="0"/>
+              <a:buChar char="•"/>
+            </a:pPr>
+            <a:r>
+              <a:rPr lang="en-US" dirty="0"/>
+              <a:t>Max of 1024 threads per block</a:t>
+            </a:r>
+          </a:p>
+          <a:p>
+            <a:pPr marL="285750" indent="-285750">
+              <a:buFont typeface="Arial" panose="020B0604020202020204" pitchFamily="34" charset="0"/>
+              <a:buChar char="•"/>
+            </a:pPr>
+            <a:r>
+              <a:rPr lang="en-US" dirty="0"/>
+              <a:t>Max of 16 blocks per SM</a:t>
+            </a:r>
+          </a:p>
+          <a:p>
+            <a:pPr marL="285750" indent="-285750">
+              <a:buFont typeface="Arial" panose="020B0604020202020204" pitchFamily="34" charset="0"/>
+              <a:buChar char="•"/>
+            </a:pPr>
+            <a:r>
+              <a:rPr lang="en-US" dirty="0"/>
+              <a:t>14 SM per GPU</a:t>
+            </a:r>
+          </a:p>
+          <a:p>
+            <a:pPr marL="285750" indent="-285750">
+              <a:buFont typeface="Arial" panose="020B0604020202020204" pitchFamily="34" charset="0"/>
+              <a:buChar char="•"/>
+            </a:pPr>
+            <a:r>
+              <a:rPr lang="en-US" dirty="0"/>
+              <a:t>Max of 128 grids per GPU</a:t>
+            </a:r>
+          </a:p>
+          <a:p>
+            <a:pPr marL="285750" indent="-285750">
+              <a:buFont typeface="Arial" panose="020B0604020202020204" pitchFamily="34" charset="0"/>
+              <a:buChar char="•"/>
+            </a:pPr>
+            <a:endParaRPr lang="en-US" dirty="0"/>
+          </a:p>
+        </p:txBody>
+      </p:sp>
+    </p:spTree>
+    <p:extLst>
+      <p:ext uri="{BB962C8B-B14F-4D97-AF65-F5344CB8AC3E}">
+        <p14:creationId xmlns:p14="http://schemas.microsoft.com/office/powerpoint/2010/main" val="1250684700"/>
+      </p:ext>
+    </p:extLst>
+  </p:cSld>
+  <p:clrMapOvr>
+    <a:masterClrMapping/>
+  </p:clrMapOvr>
+</p:sld>
+</file>
+
+<file path=ppt/slides/slide11.xml><?xml version="1.0" encoding="utf-8"?>
+<p:sld xmlns:a="http://schemas.openxmlformats.org/drawingml/2006/main" xmlns:r="http://schemas.openxmlformats.org/officeDocument/2006/relationships" xmlns:p="http://schemas.openxmlformats.org/presentationml/2006/main">
+  <p:cSld>
+    <p:spTree>
+      <p:nvGrpSpPr>
+        <p:cNvPr id="1" name=""/>
+        <p:cNvGrpSpPr/>
+        <p:nvPr/>
+      </p:nvGrpSpPr>
+      <p:grpSpPr>
+        <a:xfrm>
+          <a:off x="0" y="0"/>
+          <a:ext cx="0" cy="0"/>
+          <a:chOff x="0" y="0"/>
+          <a:chExt cx="0" cy="0"/>
+        </a:xfrm>
+      </p:grpSpPr>
+      <p:sp>
+        <p:nvSpPr>
+          <p:cNvPr id="2" name="Title 1">
+            <a:extLst>
+              <a:ext uri="{FF2B5EF4-FFF2-40B4-BE49-F238E27FC236}">
+                <a16:creationId xmlns:a16="http://schemas.microsoft.com/office/drawing/2014/main" id="{1B4B088D-86DE-B7F1-5280-36193FDE32EB}"/>
+              </a:ext>
+            </a:extLst>
+          </p:cNvPr>
+          <p:cNvSpPr>
+            <a:spLocks noGrp="1"/>
+          </p:cNvSpPr>
+          <p:nvPr>
+            <p:ph type="title"/>
+          </p:nvPr>
+        </p:nvSpPr>
+        <p:spPr/>
+        <p:txBody>
+          <a:bodyPr>
+            <a:normAutofit fontScale="90000"/>
+          </a:bodyPr>
+          <a:lstStyle/>
+          <a:p>
+            <a:r>
+              <a:rPr lang="en-US" dirty="0"/>
+              <a:t>Indexing arrays with blocks and threads</a:t>
+            </a:r>
+          </a:p>
+        </p:txBody>
+      </p:sp>
+      <p:pic>
+        <p:nvPicPr>
+          <p:cNvPr id="10" name="Picture 9" descr="Text&#10;&#10;Description automatically generated">
+            <a:extLst>
+              <a:ext uri="{FF2B5EF4-FFF2-40B4-BE49-F238E27FC236}">
+                <a16:creationId xmlns:a16="http://schemas.microsoft.com/office/drawing/2014/main" id="{B558D18D-E3D3-DC73-3AA5-2558A633D6DD}"/>
+              </a:ext>
+            </a:extLst>
+          </p:cNvPr>
+          <p:cNvPicPr>
+            <a:picLocks noChangeAspect="1"/>
+          </p:cNvPicPr>
+          <p:nvPr/>
+        </p:nvPicPr>
+        <p:blipFill>
+          <a:blip r:embed="rId2">
+            <a:extLst>
+              <a:ext uri="{28A0092B-C50C-407E-A947-70E740481C1C}">
+                <a14:useLocalDpi xmlns:a14="http://schemas.microsoft.com/office/drawing/2010/main" val="0"/>
+              </a:ext>
+            </a:extLst>
+          </a:blip>
+          <a:stretch>
+            <a:fillRect/>
+          </a:stretch>
+        </p:blipFill>
+        <p:spPr>
+          <a:xfrm>
+            <a:off x="1079501" y="1896338"/>
+            <a:ext cx="10026650" cy="3819164"/>
+          </a:xfrm>
+          <a:prstGeom prst="rect">
+            <a:avLst/>
+          </a:prstGeom>
+        </p:spPr>
+      </p:pic>
+    </p:spTree>
+    <p:extLst>
+      <p:ext uri="{BB962C8B-B14F-4D97-AF65-F5344CB8AC3E}">
+        <p14:creationId xmlns:p14="http://schemas.microsoft.com/office/powerpoint/2010/main" val="3442445385"/>
+      </p:ext>
+    </p:extLst>
+  </p:cSld>
+  <p:clrMapOvr>
+    <a:masterClrMapping/>
+  </p:clrMapOvr>
+</p:sld>
+</file>
+
+<file path=ppt/slides/slide12.xml><?xml version="1.0" encoding="utf-8"?>
+<p:sld xmlns:a="http://schemas.openxmlformats.org/drawingml/2006/main" xmlns:r="http://schemas.openxmlformats.org/officeDocument/2006/relationships" xmlns:p="http://schemas.openxmlformats.org/presentationml/2006/main">
+  <p:cSld>
+    <p:spTree>
+      <p:nvGrpSpPr>
+        <p:cNvPr id="1" name=""/>
+        <p:cNvGrpSpPr/>
+        <p:nvPr/>
+      </p:nvGrpSpPr>
+      <p:grpSpPr>
+        <a:xfrm>
+          <a:off x="0" y="0"/>
+          <a:ext cx="0" cy="0"/>
+          <a:chOff x="0" y="0"/>
+          <a:chExt cx="0" cy="0"/>
+        </a:xfrm>
+      </p:grpSpPr>
+      <p:sp>
+        <p:nvSpPr>
+          <p:cNvPr id="2" name="Title 1">
+            <a:extLst>
+              <a:ext uri="{FF2B5EF4-FFF2-40B4-BE49-F238E27FC236}">
+                <a16:creationId xmlns:a16="http://schemas.microsoft.com/office/drawing/2014/main" id="{1B4B088D-86DE-B7F1-5280-36193FDE32EB}"/>
+              </a:ext>
+            </a:extLst>
+          </p:cNvPr>
+          <p:cNvSpPr>
+            <a:spLocks noGrp="1"/>
+          </p:cNvSpPr>
+          <p:nvPr>
+            <p:ph type="title"/>
+          </p:nvPr>
+        </p:nvSpPr>
+        <p:spPr/>
+        <p:txBody>
+          <a:bodyPr>
+            <a:normAutofit/>
+          </a:bodyPr>
+          <a:lstStyle/>
+          <a:p>
+            <a:r>
+              <a:rPr lang="en-US" dirty="0"/>
+              <a:t>Indexing example</a:t>
+            </a:r>
+          </a:p>
+        </p:txBody>
+      </p:sp>
+      <p:pic>
+        <p:nvPicPr>
+          <p:cNvPr id="4" name="Picture 3" descr="A screenshot of a video game&#10;&#10;Description automatically generated with medium confidence">
+            <a:extLst>
+              <a:ext uri="{FF2B5EF4-FFF2-40B4-BE49-F238E27FC236}">
+                <a16:creationId xmlns:a16="http://schemas.microsoft.com/office/drawing/2014/main" id="{DCD69AB7-2DE1-31A5-F43D-BA78CDBE0F1F}"/>
+              </a:ext>
+            </a:extLst>
+          </p:cNvPr>
+          <p:cNvPicPr>
+            <a:picLocks noChangeAspect="1"/>
+          </p:cNvPicPr>
+          <p:nvPr/>
+        </p:nvPicPr>
+        <p:blipFill>
+          <a:blip r:embed="rId2">
+            <a:extLst>
+              <a:ext uri="{28A0092B-C50C-407E-A947-70E740481C1C}">
+                <a14:useLocalDpi xmlns:a14="http://schemas.microsoft.com/office/drawing/2010/main" val="0"/>
+              </a:ext>
+            </a:extLst>
+          </a:blip>
+          <a:stretch>
+            <a:fillRect/>
+          </a:stretch>
+        </p:blipFill>
+        <p:spPr>
+          <a:xfrm>
+            <a:off x="1079500" y="1864089"/>
+            <a:ext cx="10026650" cy="4212782"/>
+          </a:xfrm>
+          <a:prstGeom prst="rect">
+            <a:avLst/>
+          </a:prstGeom>
+        </p:spPr>
+      </p:pic>
+    </p:spTree>
+    <p:extLst>
+      <p:ext uri="{BB962C8B-B14F-4D97-AF65-F5344CB8AC3E}">
+        <p14:creationId xmlns:p14="http://schemas.microsoft.com/office/powerpoint/2010/main" val="3393652702"/>
+      </p:ext>
+    </p:extLst>
+  </p:cSld>
+  <p:clrMapOvr>
+    <a:masterClrMapping/>
+  </p:clrMapOvr>
+</p:sld>
+</file>
+
+<file path=ppt/slides/slide13.xml><?xml version="1.0" encoding="utf-8"?>
+<p:sld xmlns:a="http://schemas.openxmlformats.org/drawingml/2006/main" xmlns:r="http://schemas.openxmlformats.org/officeDocument/2006/relationships" xmlns:p="http://schemas.openxmlformats.org/presentationml/2006/main">
+  <p:cSld>
+    <p:spTree>
+      <p:nvGrpSpPr>
+        <p:cNvPr id="1" name=""/>
+        <p:cNvGrpSpPr/>
+        <p:nvPr/>
+      </p:nvGrpSpPr>
+      <p:grpSpPr>
+        <a:xfrm>
+          <a:off x="0" y="0"/>
+          <a:ext cx="0" cy="0"/>
+          <a:chOff x="0" y="0"/>
+          <a:chExt cx="0" cy="0"/>
+        </a:xfrm>
+      </p:grpSpPr>
+      <p:sp>
+        <p:nvSpPr>
+          <p:cNvPr id="2" name="Title 1">
+            <a:extLst>
+              <a:ext uri="{FF2B5EF4-FFF2-40B4-BE49-F238E27FC236}">
+                <a16:creationId xmlns:a16="http://schemas.microsoft.com/office/drawing/2014/main" id="{7DC66959-3528-4ADB-BDB9-3C105C4F7218}"/>
+              </a:ext>
+            </a:extLst>
+          </p:cNvPr>
+          <p:cNvSpPr>
+            <a:spLocks noGrp="1"/>
+          </p:cNvSpPr>
+          <p:nvPr>
+            <p:ph type="title"/>
+          </p:nvPr>
+        </p:nvSpPr>
+        <p:spPr/>
+        <p:txBody>
+          <a:bodyPr/>
+          <a:lstStyle/>
+          <a:p>
+            <a:r>
+              <a:rPr lang="en-US" dirty="0"/>
+              <a:t>Setup</a:t>
+            </a:r>
+          </a:p>
+        </p:txBody>
+      </p:sp>
+    </p:spTree>
+    <p:extLst>
+      <p:ext uri="{BB962C8B-B14F-4D97-AF65-F5344CB8AC3E}">
+        <p14:creationId xmlns:p14="http://schemas.microsoft.com/office/powerpoint/2010/main" val="2325580059"/>
+      </p:ext>
+    </p:extLst>
+  </p:cSld>
+  <p:clrMapOvr>
+    <a:masterClrMapping/>
+  </p:clrMapOvr>
+</p:sld>
+</file>
+
+<file path=ppt/slides/slide14.xml><?xml version="1.0" encoding="utf-8"?>
+<p:sld xmlns:a="http://schemas.openxmlformats.org/drawingml/2006/main" xmlns:r="http://schemas.openxmlformats.org/officeDocument/2006/relationships" xmlns:p="http://schemas.openxmlformats.org/presentationml/2006/main">
+  <p:cSld>
+    <p:spTree>
+      <p:nvGrpSpPr>
+        <p:cNvPr id="1" name=""/>
+        <p:cNvGrpSpPr/>
+        <p:nvPr/>
+      </p:nvGrpSpPr>
+      <p:grpSpPr>
+        <a:xfrm>
+          <a:off x="0" y="0"/>
+          <a:ext cx="0" cy="0"/>
+          <a:chOff x="0" y="0"/>
+          <a:chExt cx="0" cy="0"/>
+        </a:xfrm>
+      </p:grpSpPr>
+      <p:sp>
+        <p:nvSpPr>
+          <p:cNvPr id="2" name="Title 1">
+            <a:extLst>
+              <a:ext uri="{FF2B5EF4-FFF2-40B4-BE49-F238E27FC236}">
+                <a16:creationId xmlns:a16="http://schemas.microsoft.com/office/drawing/2014/main" id="{CB0B39AB-A777-6976-B354-9DB748E9456C}"/>
+              </a:ext>
+            </a:extLst>
+          </p:cNvPr>
+          <p:cNvSpPr>
+            <a:spLocks noGrp="1"/>
+          </p:cNvSpPr>
+          <p:nvPr>
+            <p:ph type="title"/>
+          </p:nvPr>
+        </p:nvSpPr>
+        <p:spPr/>
+        <p:txBody>
+          <a:bodyPr/>
+          <a:lstStyle/>
+          <a:p>
+            <a:r>
+              <a:rPr lang="en-US" dirty="0"/>
+              <a:t>GPU Configuration</a:t>
+            </a:r>
+          </a:p>
+        </p:txBody>
+      </p:sp>
+      <p:sp>
+        <p:nvSpPr>
+          <p:cNvPr id="3" name="Text Placeholder 2">
+            <a:extLst>
+              <a:ext uri="{FF2B5EF4-FFF2-40B4-BE49-F238E27FC236}">
+                <a16:creationId xmlns:a16="http://schemas.microsoft.com/office/drawing/2014/main" id="{963292D8-94F9-6BEB-7A29-39162D689E40}"/>
+              </a:ext>
+            </a:extLst>
+          </p:cNvPr>
+          <p:cNvSpPr>
+            <a:spLocks noGrp="1"/>
+          </p:cNvSpPr>
+          <p:nvPr>
+            <p:ph type="body" idx="1"/>
+          </p:nvPr>
+        </p:nvSpPr>
+        <p:spPr/>
+        <p:txBody>
+          <a:bodyPr>
+            <a:normAutofit/>
+          </a:bodyPr>
+          <a:lstStyle/>
+          <a:p>
+            <a:r>
+              <a:rPr lang="en-US" sz="2400" dirty="0"/>
+              <a:t>Initial Setup</a:t>
+            </a:r>
+          </a:p>
+        </p:txBody>
+      </p:sp>
+      <p:sp>
+        <p:nvSpPr>
+          <p:cNvPr id="4" name="Content Placeholder 3">
+            <a:extLst>
+              <a:ext uri="{FF2B5EF4-FFF2-40B4-BE49-F238E27FC236}">
+                <a16:creationId xmlns:a16="http://schemas.microsoft.com/office/drawing/2014/main" id="{268577EB-D9F9-9F17-A291-F84090E50B2D}"/>
+              </a:ext>
+            </a:extLst>
+          </p:cNvPr>
+          <p:cNvSpPr>
+            <a:spLocks noGrp="1"/>
+          </p:cNvSpPr>
+          <p:nvPr>
+            <p:ph sz="half" idx="2"/>
+          </p:nvPr>
+        </p:nvSpPr>
+        <p:spPr>
+          <a:xfrm>
+            <a:off x="1079500" y="2525560"/>
+            <a:ext cx="4741200" cy="3690601"/>
+          </a:xfrm>
+        </p:spPr>
+        <p:txBody>
+          <a:bodyPr>
+            <a:normAutofit fontScale="85000" lnSpcReduction="10000"/>
+          </a:bodyPr>
+          <a:lstStyle/>
+          <a:p>
+            <a:pPr>
+              <a:buFont typeface="Arial" panose="020B0604020202020204" pitchFamily="34" charset="0"/>
+              <a:buChar char="•"/>
+            </a:pPr>
+            <a:r>
+              <a:rPr lang="en-US" dirty="0"/>
+              <a:t>Nvidia Tesla T4 (Datacenter)</a:t>
+            </a:r>
+          </a:p>
+          <a:p>
+            <a:pPr lvl="1">
+              <a:buFont typeface="Arial" panose="020B0604020202020204" pitchFamily="34" charset="0"/>
+              <a:buChar char="•"/>
+            </a:pPr>
+            <a:r>
+              <a:rPr lang="en-US" i="0" dirty="0"/>
+              <a:t> Compute Capability: 7.5</a:t>
+            </a:r>
+          </a:p>
+          <a:p>
+            <a:pPr lvl="1">
+              <a:buFont typeface="Arial" panose="020B0604020202020204" pitchFamily="34" charset="0"/>
+              <a:buChar char="•"/>
+            </a:pPr>
+            <a:r>
+              <a:rPr lang="en-US" i="0" dirty="0"/>
+              <a:t> Turing Tensor Cores: 320</a:t>
+            </a:r>
+          </a:p>
+          <a:p>
+            <a:pPr lvl="1">
+              <a:buFont typeface="Arial" panose="020B0604020202020204" pitchFamily="34" charset="0"/>
+              <a:buChar char="•"/>
+            </a:pPr>
+            <a:r>
+              <a:rPr lang="en-US" i="0" dirty="0"/>
+              <a:t> CUDA Cores: 2560</a:t>
+            </a:r>
+          </a:p>
+          <a:p>
+            <a:pPr lvl="2">
+              <a:buFont typeface="Arial" panose="020B0604020202020204" pitchFamily="34" charset="0"/>
+              <a:buChar char="•"/>
+            </a:pPr>
+            <a:r>
+              <a:rPr lang="en-US" i="0" dirty="0"/>
+              <a:t>64 Cores per SM</a:t>
+            </a:r>
+          </a:p>
+          <a:p>
+            <a:pPr lvl="1">
+              <a:buFont typeface="Arial" panose="020B0604020202020204" pitchFamily="34" charset="0"/>
+              <a:buChar char="•"/>
+            </a:pPr>
+            <a:r>
+              <a:rPr lang="en-US" i="0" dirty="0"/>
+              <a:t> GPU Memory: 16GB</a:t>
+            </a:r>
+          </a:p>
+          <a:p>
+            <a:pPr lvl="2">
+              <a:buFont typeface="Arial" panose="020B0604020202020204" pitchFamily="34" charset="0"/>
+              <a:buChar char="•"/>
+            </a:pPr>
+            <a:r>
+              <a:rPr lang="en-US" dirty="0"/>
+              <a:t>Bus: 256-bit</a:t>
+            </a:r>
+          </a:p>
+          <a:p>
+            <a:pPr lvl="2">
+              <a:buFont typeface="Arial" panose="020B0604020202020204" pitchFamily="34" charset="0"/>
+              <a:buChar char="•"/>
+            </a:pPr>
+            <a:r>
+              <a:rPr lang="en-US" i="0" dirty="0"/>
+              <a:t>Bandwidth: 300 GB/Sec</a:t>
+            </a:r>
+          </a:p>
+          <a:p>
+            <a:pPr lvl="1">
+              <a:buFont typeface="Arial" panose="020B0604020202020204" pitchFamily="34" charset="0"/>
+              <a:buChar char="•"/>
+            </a:pPr>
+            <a:r>
+              <a:rPr lang="en-US" i="0" dirty="0"/>
+              <a:t> Interface: PCIE 3x16 – 16 GB/s</a:t>
+            </a:r>
+            <a:endParaRPr lang="en-US" dirty="0"/>
+          </a:p>
+          <a:p>
+            <a:pPr marL="0" indent="0">
+              <a:buNone/>
+            </a:pPr>
+            <a:r>
+              <a:rPr lang="en-US" sz="1200" dirty="0">
+                <a:hlinkClick r:id="rId2"/>
+              </a:rPr>
+              <a:t>https://www.nvidia.com/content/dam/en-zz/Solutions/Data-Center/tesla-product-literature/T4%20Product%20Brief.pdf</a:t>
+            </a:r>
+            <a:endParaRPr lang="en-US" sz="1200" dirty="0"/>
+          </a:p>
+        </p:txBody>
+      </p:sp>
+      <p:sp>
+        <p:nvSpPr>
+          <p:cNvPr id="5" name="Text Placeholder 4">
+            <a:extLst>
+              <a:ext uri="{FF2B5EF4-FFF2-40B4-BE49-F238E27FC236}">
+                <a16:creationId xmlns:a16="http://schemas.microsoft.com/office/drawing/2014/main" id="{0B664D15-F34B-5AE5-4C05-8EFC6AE1253D}"/>
+              </a:ext>
+            </a:extLst>
+          </p:cNvPr>
+          <p:cNvSpPr>
+            <a:spLocks noGrp="1"/>
+          </p:cNvSpPr>
+          <p:nvPr>
+            <p:ph type="body" sz="quarter" idx="3"/>
+          </p:nvPr>
+        </p:nvSpPr>
+        <p:spPr/>
+        <p:txBody>
+          <a:bodyPr>
+            <a:normAutofit/>
+          </a:bodyPr>
+          <a:lstStyle/>
+          <a:p>
+            <a:r>
+              <a:rPr lang="en-US" sz="2400" dirty="0"/>
+              <a:t>Demo Setup</a:t>
+            </a:r>
+          </a:p>
+        </p:txBody>
+      </p:sp>
+      <p:sp>
+        <p:nvSpPr>
+          <p:cNvPr id="6" name="Content Placeholder 5">
+            <a:extLst>
+              <a:ext uri="{FF2B5EF4-FFF2-40B4-BE49-F238E27FC236}">
+                <a16:creationId xmlns:a16="http://schemas.microsoft.com/office/drawing/2014/main" id="{E2A0A9FC-E85F-98B7-0D94-B37A2C07BE32}"/>
+              </a:ext>
+            </a:extLst>
+          </p:cNvPr>
+          <p:cNvSpPr>
+            <a:spLocks noGrp="1"/>
+          </p:cNvSpPr>
+          <p:nvPr>
+            <p:ph sz="quarter" idx="4"/>
+          </p:nvPr>
+        </p:nvSpPr>
+        <p:spPr>
+          <a:xfrm>
+            <a:off x="6364950" y="2525559"/>
+            <a:ext cx="4741200" cy="3690601"/>
+          </a:xfrm>
+        </p:spPr>
+        <p:txBody>
+          <a:bodyPr>
+            <a:normAutofit fontScale="85000" lnSpcReduction="10000"/>
+          </a:bodyPr>
+          <a:lstStyle/>
+          <a:p>
+            <a:pPr>
+              <a:buFont typeface="Arial" panose="020B0604020202020204" pitchFamily="34" charset="0"/>
+              <a:buChar char="•"/>
+            </a:pPr>
+            <a:r>
+              <a:rPr lang="en-US" dirty="0"/>
+              <a:t>Nvidia (RTX) T600 (Notebook)</a:t>
+            </a:r>
+          </a:p>
+          <a:p>
+            <a:pPr lvl="1">
+              <a:buFont typeface="Arial" panose="020B0604020202020204" pitchFamily="34" charset="0"/>
+              <a:buChar char="•"/>
+            </a:pPr>
+            <a:r>
+              <a:rPr lang="en-US" dirty="0"/>
+              <a:t> </a:t>
+            </a:r>
+            <a:r>
+              <a:rPr lang="en-US" i="0" dirty="0"/>
+              <a:t>Compute Capability: 7.5</a:t>
+            </a:r>
+          </a:p>
+          <a:p>
+            <a:pPr lvl="1">
+              <a:buFont typeface="Arial" panose="020B0604020202020204" pitchFamily="34" charset="0"/>
+              <a:buChar char="•"/>
+            </a:pPr>
+            <a:r>
+              <a:rPr lang="en-US" i="0" dirty="0"/>
+              <a:t> Turing Tensor Cores: 0</a:t>
+            </a:r>
+          </a:p>
+          <a:p>
+            <a:pPr lvl="1">
+              <a:buFont typeface="Arial" panose="020B0604020202020204" pitchFamily="34" charset="0"/>
+              <a:buChar char="•"/>
+            </a:pPr>
+            <a:r>
+              <a:rPr lang="en-US" i="0" dirty="0"/>
+              <a:t> CUDA Cores: 896</a:t>
+            </a:r>
+          </a:p>
+          <a:p>
+            <a:pPr lvl="2">
+              <a:buFont typeface="Arial" panose="020B0604020202020204" pitchFamily="34" charset="0"/>
+              <a:buChar char="•"/>
+            </a:pPr>
+            <a:r>
+              <a:rPr lang="en-US" i="0" dirty="0"/>
+              <a:t>64 Cores per SM</a:t>
+            </a:r>
+          </a:p>
+          <a:p>
+            <a:pPr lvl="1">
+              <a:buFont typeface="Arial" panose="020B0604020202020204" pitchFamily="34" charset="0"/>
+              <a:buChar char="•"/>
+            </a:pPr>
+            <a:r>
+              <a:rPr lang="en-US" i="0" dirty="0"/>
+              <a:t> GPU Memory: 4GB</a:t>
+            </a:r>
+          </a:p>
+          <a:p>
+            <a:pPr lvl="2">
+              <a:buFont typeface="Arial" panose="020B0604020202020204" pitchFamily="34" charset="0"/>
+              <a:buChar char="•"/>
+            </a:pPr>
+            <a:r>
+              <a:rPr lang="en-US" dirty="0"/>
+              <a:t>Bus: 128-bit</a:t>
+            </a:r>
+          </a:p>
+          <a:p>
+            <a:pPr lvl="2">
+              <a:buFont typeface="Arial" panose="020B0604020202020204" pitchFamily="34" charset="0"/>
+              <a:buChar char="•"/>
+            </a:pPr>
+            <a:r>
+              <a:rPr lang="en-US" i="0" dirty="0"/>
+              <a:t>Bandwidth: 160 GB/Sec</a:t>
+            </a:r>
+          </a:p>
+          <a:p>
+            <a:pPr lvl="1">
+              <a:buFont typeface="Arial" panose="020B0604020202020204" pitchFamily="34" charset="0"/>
+              <a:buChar char="•"/>
+            </a:pPr>
+            <a:r>
+              <a:rPr lang="en-US" i="0" dirty="0"/>
+              <a:t> Interface: PCIE 4x8 – 16 GB/Sec</a:t>
+            </a:r>
+            <a:endParaRPr lang="en-US" sz="2000" dirty="0"/>
+          </a:p>
+          <a:p>
+            <a:pPr marL="0" indent="0">
+              <a:buNone/>
+            </a:pPr>
+            <a:r>
+              <a:rPr lang="en-US" sz="1300" dirty="0">
+                <a:hlinkClick r:id="rId3"/>
+              </a:rPr>
+              <a:t>https://www.nvidia.com/content/dam/en-zz/Solutions/design-visualization/documents/nvidia-rtx-line-card-for-mobile-workstation.pdf</a:t>
+            </a:r>
+            <a:endParaRPr lang="en-US" sz="1300" i="0" dirty="0"/>
+          </a:p>
+        </p:txBody>
+      </p:sp>
+    </p:spTree>
+    <p:extLst>
+      <p:ext uri="{BB962C8B-B14F-4D97-AF65-F5344CB8AC3E}">
+        <p14:creationId xmlns:p14="http://schemas.microsoft.com/office/powerpoint/2010/main" val="417163539"/>
+      </p:ext>
+    </p:extLst>
+  </p:cSld>
+  <p:clrMapOvr>
+    <a:masterClrMapping/>
+  </p:clrMapOvr>
+</p:sld>
+</file>
+
+<file path=ppt/slides/slide15.xml><?xml version="1.0" encoding="utf-8"?>
+<p:sld xmlns:a="http://schemas.openxmlformats.org/drawingml/2006/main" xmlns:r="http://schemas.openxmlformats.org/officeDocument/2006/relationships" xmlns:p="http://schemas.openxmlformats.org/presentationml/2006/main">
+  <p:cSld>
+    <p:spTree>
+      <p:nvGrpSpPr>
+        <p:cNvPr id="1" name=""/>
+        <p:cNvGrpSpPr/>
+        <p:nvPr/>
+      </p:nvGrpSpPr>
+      <p:grpSpPr>
+        <a:xfrm>
+          <a:off x="0" y="0"/>
+          <a:ext cx="0" cy="0"/>
+          <a:chOff x="0" y="0"/>
+          <a:chExt cx="0" cy="0"/>
+        </a:xfrm>
+      </p:grpSpPr>
+      <p:sp>
+        <p:nvSpPr>
+          <p:cNvPr id="2" name="Title 1">
+            <a:extLst>
+              <a:ext uri="{FF2B5EF4-FFF2-40B4-BE49-F238E27FC236}">
+                <a16:creationId xmlns:a16="http://schemas.microsoft.com/office/drawing/2014/main" id="{9183A81F-009A-42D7-B613-E96868422746}"/>
+              </a:ext>
+            </a:extLst>
+          </p:cNvPr>
+          <p:cNvSpPr>
+            <a:spLocks noGrp="1"/>
+          </p:cNvSpPr>
+          <p:nvPr>
+            <p:ph type="title"/>
+          </p:nvPr>
+        </p:nvSpPr>
+        <p:spPr/>
+        <p:txBody>
+          <a:bodyPr/>
+          <a:lstStyle/>
+          <a:p>
+            <a:r>
+              <a:rPr lang="en-US" dirty="0"/>
+              <a:t>Compute Capability 7.5</a:t>
+            </a:r>
+          </a:p>
+        </p:txBody>
+      </p:sp>
+      <p:sp>
+        <p:nvSpPr>
+          <p:cNvPr id="3" name="Content Placeholder 2">
+            <a:extLst>
+              <a:ext uri="{FF2B5EF4-FFF2-40B4-BE49-F238E27FC236}">
+                <a16:creationId xmlns:a16="http://schemas.microsoft.com/office/drawing/2014/main" id="{2A16DDFF-CE71-4788-A4C9-7D63DCCC9980}"/>
+              </a:ext>
+            </a:extLst>
+          </p:cNvPr>
+          <p:cNvSpPr>
+            <a:spLocks noGrp="1"/>
+          </p:cNvSpPr>
+          <p:nvPr>
+            <p:ph idx="1"/>
+          </p:nvPr>
+        </p:nvSpPr>
+        <p:spPr>
+          <a:xfrm>
+            <a:off x="1079500" y="1790701"/>
+            <a:ext cx="10026650" cy="1154722"/>
+          </a:xfrm>
+        </p:spPr>
+        <p:txBody>
+          <a:bodyPr>
+            <a:normAutofit/>
+          </a:bodyPr>
+          <a:lstStyle/>
+          <a:p>
+            <a:pPr>
+              <a:buFont typeface="Arial" panose="020B0604020202020204" pitchFamily="34" charset="0"/>
+              <a:buChar char="•"/>
+            </a:pPr>
+            <a:r>
+              <a:rPr lang="en-US" sz="1800" dirty="0">
+                <a:ea typeface="+mn-lt"/>
+                <a:cs typeface="+mn-lt"/>
+              </a:rPr>
+              <a:t>Details what features the GPU has</a:t>
+            </a:r>
+          </a:p>
+          <a:p>
+            <a:pPr lvl="1">
+              <a:buFont typeface="Arial" panose="020B0604020202020204" pitchFamily="34" charset="0"/>
+              <a:buChar char="•"/>
+            </a:pPr>
+            <a:r>
+              <a:rPr lang="en-US" sz="1800" dirty="0">
+                <a:ea typeface="+mn-lt"/>
+                <a:cs typeface="+mn-lt"/>
+              </a:rPr>
+              <a:t> </a:t>
+            </a:r>
+            <a:r>
+              <a:rPr lang="en-US" sz="1800" i="0" dirty="0">
+                <a:ea typeface="+mn-lt"/>
+                <a:cs typeface="+mn-lt"/>
+              </a:rPr>
+              <a:t>Frist digit signifies major, which contain key features</a:t>
+            </a:r>
+          </a:p>
+          <a:p>
+            <a:pPr lvl="1">
+              <a:buFont typeface="Arial" panose="020B0604020202020204" pitchFamily="34" charset="0"/>
+              <a:buChar char="•"/>
+            </a:pPr>
+            <a:r>
+              <a:rPr lang="en-US" sz="1800" i="0" dirty="0">
+                <a:ea typeface="+mn-lt"/>
+                <a:cs typeface="+mn-lt"/>
+              </a:rPr>
+              <a:t> Second digit signifies minor, which differs in hardware</a:t>
+            </a:r>
+            <a:endParaRPr lang="en-US" sz="1800" dirty="0"/>
+          </a:p>
+        </p:txBody>
+      </p:sp>
+      <p:sp>
+        <p:nvSpPr>
+          <p:cNvPr id="4" name="Content Placeholder 2">
+            <a:extLst>
+              <a:ext uri="{FF2B5EF4-FFF2-40B4-BE49-F238E27FC236}">
+                <a16:creationId xmlns:a16="http://schemas.microsoft.com/office/drawing/2014/main" id="{A8E96034-A816-7724-58CE-8D7024BFE01F}"/>
+              </a:ext>
+            </a:extLst>
+          </p:cNvPr>
+          <p:cNvSpPr txBox="1">
+            <a:spLocks/>
+          </p:cNvSpPr>
+          <p:nvPr/>
+        </p:nvSpPr>
+        <p:spPr>
+          <a:xfrm>
+            <a:off x="1079500" y="3069249"/>
+            <a:ext cx="5016500" cy="3401889"/>
+          </a:xfrm>
+          <a:prstGeom prst="rect">
+            <a:avLst/>
+          </a:prstGeom>
+        </p:spPr>
+        <p:txBody>
+          <a:bodyPr vert="horz" lIns="0" tIns="0" rIns="0" bIns="0" rtlCol="0" anchor="t" anchorCtr="0">
+            <a:normAutofit/>
+          </a:bodyPr>
+          <a:lstStyle>
+            <a:lvl1pPr marL="360000" indent="-360000" algn="l" defTabSz="914400" rtl="0" eaLnBrk="1" latinLnBrk="0" hangingPunct="1">
+              <a:lnSpc>
+                <a:spcPct val="125000"/>
+              </a:lnSpc>
+              <a:spcBef>
+                <a:spcPts val="1000"/>
+              </a:spcBef>
+              <a:buClr>
+                <a:schemeClr val="accent1">
+                  <a:lumMod val="60000"/>
+                  <a:lumOff val="40000"/>
+                </a:schemeClr>
+              </a:buClr>
+              <a:buFont typeface="Wingdings" panose="05000000000000000000" pitchFamily="2" charset="2"/>
+              <a:buChar char=""/>
+              <a:defRPr sz="2000" kern="1200">
+                <a:solidFill>
+                  <a:schemeClr val="tx1">
+                    <a:alpha val="70000"/>
+                  </a:schemeClr>
+                </a:solidFill>
+                <a:latin typeface="+mn-lt"/>
+                <a:ea typeface="+mn-ea"/>
+                <a:cs typeface="+mn-cs"/>
+              </a:defRPr>
+            </a:lvl1pPr>
+            <a:lvl2pPr marL="360000" indent="0" algn="l" defTabSz="914400" rtl="0" eaLnBrk="1" latinLnBrk="0" hangingPunct="1">
+              <a:lnSpc>
+                <a:spcPct val="125000"/>
+              </a:lnSpc>
+              <a:spcBef>
+                <a:spcPts val="500"/>
+              </a:spcBef>
+              <a:buClr>
+                <a:schemeClr val="accent1">
+                  <a:lumMod val="60000"/>
+                  <a:lumOff val="40000"/>
+                </a:schemeClr>
+              </a:buClr>
+              <a:buFontTx/>
+              <a:buNone/>
+              <a:defRPr sz="2000" i="1" kern="1200">
+                <a:solidFill>
+                  <a:schemeClr val="tx1">
+                    <a:alpha val="70000"/>
+                  </a:schemeClr>
+                </a:solidFill>
+                <a:latin typeface="+mn-lt"/>
+                <a:ea typeface="+mn-ea"/>
+                <a:cs typeface="+mn-cs"/>
+              </a:defRPr>
+            </a:lvl2pPr>
+            <a:lvl3pPr marL="1080000" indent="-360000" algn="l" defTabSz="914400" rtl="0" eaLnBrk="1" latinLnBrk="0" hangingPunct="1">
+              <a:lnSpc>
+                <a:spcPct val="125000"/>
+              </a:lnSpc>
+              <a:spcBef>
+                <a:spcPts val="500"/>
+              </a:spcBef>
+              <a:buClr>
+                <a:schemeClr val="accent1">
+                  <a:lumMod val="60000"/>
+                  <a:lumOff val="40000"/>
+                </a:schemeClr>
+              </a:buClr>
+              <a:buFont typeface="Wingdings" panose="05000000000000000000" pitchFamily="2" charset="2"/>
+              <a:buChar char=""/>
+              <a:defRPr sz="2000" kern="1200">
+                <a:solidFill>
+                  <a:schemeClr val="tx1">
+                    <a:alpha val="70000"/>
+                  </a:schemeClr>
+                </a:solidFill>
+                <a:latin typeface="+mn-lt"/>
+                <a:ea typeface="+mn-ea"/>
+                <a:cs typeface="+mn-cs"/>
+              </a:defRPr>
+            </a:lvl3pPr>
+            <a:lvl4pPr marL="1080000" indent="0" algn="l" defTabSz="914400" rtl="0" eaLnBrk="1" latinLnBrk="0" hangingPunct="1">
+              <a:lnSpc>
+                <a:spcPct val="125000"/>
+              </a:lnSpc>
+              <a:spcBef>
+                <a:spcPts val="500"/>
+              </a:spcBef>
+              <a:buClr>
+                <a:schemeClr val="accent1">
+                  <a:lumMod val="60000"/>
+                  <a:lumOff val="40000"/>
+                </a:schemeClr>
+              </a:buClr>
+              <a:buFontTx/>
+              <a:buNone/>
+              <a:defRPr sz="2000" i="1" kern="1200">
+                <a:solidFill>
+                  <a:schemeClr val="tx1">
+                    <a:alpha val="70000"/>
+                  </a:schemeClr>
+                </a:solidFill>
+                <a:latin typeface="+mn-lt"/>
+                <a:ea typeface="+mn-ea"/>
+                <a:cs typeface="+mn-cs"/>
+              </a:defRPr>
+            </a:lvl4pPr>
+            <a:lvl5pPr marL="1800000" indent="-360000" algn="l" defTabSz="914400" rtl="0" eaLnBrk="1" latinLnBrk="0" hangingPunct="1">
+              <a:lnSpc>
+                <a:spcPct val="125000"/>
+              </a:lnSpc>
+              <a:spcBef>
+                <a:spcPts val="500"/>
+              </a:spcBef>
+              <a:buClr>
+                <a:schemeClr val="accent1">
+                  <a:lumMod val="60000"/>
+                  <a:lumOff val="40000"/>
+                </a:schemeClr>
+              </a:buClr>
+              <a:buFont typeface="Wingdings" panose="05000000000000000000" pitchFamily="2" charset="2"/>
+              <a:buChar char=""/>
+              <a:defRPr sz="2000" kern="1200">
+                <a:solidFill>
+                  <a:schemeClr val="tx1">
+                    <a:alpha val="70000"/>
+                  </a:schemeClr>
+                </a:solidFill>
+                <a:latin typeface="+mn-lt"/>
+                <a:ea typeface="+mn-ea"/>
+                <a:cs typeface="+mn-cs"/>
+              </a:defRPr>
+            </a:lvl5pPr>
+            <a:lvl6pPr marL="2514600" indent="-228600" algn="l" defTabSz="914400" rtl="0" eaLnBrk="1" latinLnBrk="0" hangingPunct="1">
+              <a:lnSpc>
+                <a:spcPct val="90000"/>
+              </a:lnSpc>
+              <a:spcBef>
+                <a:spcPts val="500"/>
+              </a:spcBef>
+              <a:buFont typeface="Arial" panose="020B0604020202020204" pitchFamily="34" charset="0"/>
+              <a:buChar char="•"/>
+              <a:defRPr sz="1800" kern="1200">
+                <a:solidFill>
+                  <a:schemeClr val="tx1"/>
+                </a:solidFill>
+                <a:latin typeface="+mn-lt"/>
+                <a:ea typeface="+mn-ea"/>
+                <a:cs typeface="+mn-cs"/>
+              </a:defRPr>
+            </a:lvl6pPr>
+            <a:lvl7pPr marL="2971800" indent="-228600" algn="l" defTabSz="914400" rtl="0" eaLnBrk="1" latinLnBrk="0" hangingPunct="1">
+              <a:lnSpc>
+                <a:spcPct val="90000"/>
+              </a:lnSpc>
+              <a:spcBef>
+                <a:spcPts val="500"/>
+              </a:spcBef>
+              <a:buFont typeface="Arial" panose="020B0604020202020204" pitchFamily="34" charset="0"/>
+              <a:buChar char="•"/>
+              <a:defRPr sz="1800" kern="1200">
+                <a:solidFill>
+                  <a:schemeClr val="tx1"/>
+                </a:solidFill>
+                <a:latin typeface="+mn-lt"/>
+                <a:ea typeface="+mn-ea"/>
+                <a:cs typeface="+mn-cs"/>
+              </a:defRPr>
+            </a:lvl7pPr>
+            <a:lvl8pPr marL="3429000" indent="-228600" algn="l" defTabSz="914400" rtl="0" eaLnBrk="1" latinLnBrk="0" hangingPunct="1">
+              <a:lnSpc>
+                <a:spcPct val="90000"/>
+              </a:lnSpc>
+              <a:spcBef>
+                <a:spcPts val="500"/>
+              </a:spcBef>
+              <a:buFont typeface="Arial" panose="020B0604020202020204" pitchFamily="34" charset="0"/>
+              <a:buChar char="•"/>
+              <a:defRPr sz="1800" kern="1200">
+                <a:solidFill>
+                  <a:schemeClr val="tx1"/>
+                </a:solidFill>
+                <a:latin typeface="+mn-lt"/>
+                <a:ea typeface="+mn-ea"/>
+                <a:cs typeface="+mn-cs"/>
+              </a:defRPr>
+            </a:lvl8pPr>
+            <a:lvl9pPr marL="3886200" indent="-228600" algn="l" defTabSz="914400" rtl="0" eaLnBrk="1" latinLnBrk="0" hangingPunct="1">
+              <a:lnSpc>
+                <a:spcPct val="90000"/>
+              </a:lnSpc>
+              <a:spcBef>
+                <a:spcPts val="500"/>
+              </a:spcBef>
+              <a:buFont typeface="Arial" panose="020B0604020202020204" pitchFamily="34" charset="0"/>
+              <a:buChar char="•"/>
+              <a:defRPr sz="1800" kern="1200">
+                <a:solidFill>
+                  <a:schemeClr val="tx1"/>
+                </a:solidFill>
+                <a:latin typeface="+mn-lt"/>
+                <a:ea typeface="+mn-ea"/>
+                <a:cs typeface="+mn-cs"/>
+              </a:defRPr>
+            </a:lvl9pPr>
+          </a:lstStyle>
+          <a:p>
+            <a:pPr>
+              <a:lnSpc>
+                <a:spcPct val="90000"/>
+              </a:lnSpc>
+              <a:buFont typeface="Arial" panose="020B0604020202020204" pitchFamily="34" charset="0"/>
+              <a:buChar char="•"/>
+            </a:pPr>
+            <a:r>
+              <a:rPr lang="en-US" sz="1600" dirty="0">
+                <a:ea typeface="+mn-lt"/>
+                <a:cs typeface="+mn-lt"/>
+              </a:rPr>
+              <a:t>128 grids (individual compute process)</a:t>
+            </a:r>
+          </a:p>
+          <a:p>
+            <a:pPr>
+              <a:lnSpc>
+                <a:spcPct val="90000"/>
+              </a:lnSpc>
+              <a:buFont typeface="Arial" panose="020B0604020202020204" pitchFamily="34" charset="0"/>
+              <a:buChar char="•"/>
+            </a:pPr>
+            <a:r>
+              <a:rPr lang="en-US" sz="1600" dirty="0">
+                <a:ea typeface="+mn-lt"/>
+                <a:cs typeface="+mn-lt"/>
+              </a:rPr>
+              <a:t>Max Dimension of a Grid of Thread Blocks</a:t>
+            </a:r>
+          </a:p>
+          <a:p>
+            <a:pPr lvl="1">
+              <a:lnSpc>
+                <a:spcPct val="90000"/>
+              </a:lnSpc>
+              <a:buFont typeface="Arial" panose="020B0604020202020204" pitchFamily="34" charset="0"/>
+              <a:buChar char="•"/>
+            </a:pPr>
+            <a:r>
+              <a:rPr lang="en-US" sz="1600" dirty="0">
+                <a:ea typeface="+mn-lt"/>
+                <a:cs typeface="+mn-lt"/>
+              </a:rPr>
+              <a:t> </a:t>
+            </a:r>
+            <a:r>
+              <a:rPr lang="en-US" sz="1600" i="0" dirty="0">
+                <a:ea typeface="+mn-lt"/>
+                <a:cs typeface="+mn-lt"/>
+              </a:rPr>
+              <a:t>Dimensionality: 3</a:t>
+            </a:r>
+          </a:p>
+          <a:p>
+            <a:pPr lvl="1">
+              <a:lnSpc>
+                <a:spcPct val="90000"/>
+              </a:lnSpc>
+              <a:buFont typeface="Arial" panose="020B0604020202020204" pitchFamily="34" charset="0"/>
+              <a:buChar char="•"/>
+            </a:pPr>
+            <a:r>
+              <a:rPr lang="en-US" sz="1600" i="0" dirty="0">
+                <a:ea typeface="+mn-lt"/>
+                <a:cs typeface="+mn-lt"/>
+              </a:rPr>
+              <a:t> Max X Dimension: 2^</a:t>
+            </a:r>
+            <a:r>
+              <a:rPr lang="en-US" sz="1600" i="0" baseline="30000" dirty="0">
+                <a:ea typeface="+mn-lt"/>
+                <a:cs typeface="+mn-lt"/>
+              </a:rPr>
+              <a:t>31</a:t>
+            </a:r>
+            <a:r>
+              <a:rPr lang="en-US" sz="1600" i="0" dirty="0">
+                <a:ea typeface="+mn-lt"/>
+                <a:cs typeface="+mn-lt"/>
+              </a:rPr>
+              <a:t>-1</a:t>
+            </a:r>
+          </a:p>
+          <a:p>
+            <a:pPr lvl="1">
+              <a:lnSpc>
+                <a:spcPct val="90000"/>
+              </a:lnSpc>
+              <a:buFont typeface="Arial" panose="020B0604020202020204" pitchFamily="34" charset="0"/>
+              <a:buChar char="•"/>
+            </a:pPr>
+            <a:r>
+              <a:rPr lang="en-US" sz="1600" i="0" dirty="0">
+                <a:ea typeface="+mn-lt"/>
+                <a:cs typeface="+mn-lt"/>
+              </a:rPr>
+              <a:t> Max Y or Z Dimension: 65535</a:t>
+            </a:r>
+          </a:p>
+          <a:p>
+            <a:pPr>
+              <a:lnSpc>
+                <a:spcPct val="90000"/>
+              </a:lnSpc>
+              <a:buFont typeface="Arial" panose="020B0604020202020204" pitchFamily="34" charset="0"/>
+              <a:buChar char="•"/>
+            </a:pPr>
+            <a:r>
+              <a:rPr lang="en-US" sz="1600" dirty="0">
+                <a:ea typeface="+mn-lt"/>
+                <a:cs typeface="+mn-lt"/>
+              </a:rPr>
+              <a:t>Max Dimension of a Thread Block</a:t>
+            </a:r>
+          </a:p>
+          <a:p>
+            <a:pPr lvl="1">
+              <a:lnSpc>
+                <a:spcPct val="90000"/>
+              </a:lnSpc>
+              <a:buFont typeface="Arial" panose="020B0604020202020204" pitchFamily="34" charset="0"/>
+              <a:buChar char="•"/>
+            </a:pPr>
+            <a:r>
+              <a:rPr lang="en-US" sz="1600" dirty="0">
+                <a:ea typeface="+mn-lt"/>
+                <a:cs typeface="+mn-lt"/>
+              </a:rPr>
+              <a:t> </a:t>
+            </a:r>
+            <a:r>
+              <a:rPr lang="en-US" sz="1600" i="0" dirty="0">
+                <a:ea typeface="+mn-lt"/>
+                <a:cs typeface="+mn-lt"/>
+              </a:rPr>
+              <a:t>Dimensionality: 3</a:t>
+            </a:r>
+          </a:p>
+          <a:p>
+            <a:pPr lvl="1">
+              <a:lnSpc>
+                <a:spcPct val="90000"/>
+              </a:lnSpc>
+              <a:buFont typeface="Arial" panose="020B0604020202020204" pitchFamily="34" charset="0"/>
+              <a:buChar char="•"/>
+            </a:pPr>
+            <a:r>
+              <a:rPr lang="en-US" sz="1600" i="0" dirty="0">
+                <a:ea typeface="+mn-lt"/>
+                <a:cs typeface="+mn-lt"/>
+              </a:rPr>
+              <a:t> Max X or Y Dimension: 1024</a:t>
+            </a:r>
+          </a:p>
+          <a:p>
+            <a:pPr lvl="1">
+              <a:lnSpc>
+                <a:spcPct val="90000"/>
+              </a:lnSpc>
+              <a:buFont typeface="Arial" panose="020B0604020202020204" pitchFamily="34" charset="0"/>
+              <a:buChar char="•"/>
+            </a:pPr>
+            <a:r>
+              <a:rPr lang="en-US" sz="1600" i="0" dirty="0">
+                <a:ea typeface="+mn-lt"/>
+                <a:cs typeface="+mn-lt"/>
+              </a:rPr>
+              <a:t> Max Z Dimension: 64</a:t>
+            </a:r>
+          </a:p>
+          <a:p>
+            <a:pPr lvl="1">
+              <a:lnSpc>
+                <a:spcPct val="90000"/>
+              </a:lnSpc>
+              <a:buFont typeface="Arial" panose="020B0604020202020204" pitchFamily="34" charset="0"/>
+              <a:buChar char="•"/>
+            </a:pPr>
+            <a:r>
+              <a:rPr lang="en-US" sz="1600" i="0" dirty="0">
+                <a:ea typeface="+mn-lt"/>
+                <a:cs typeface="+mn-lt"/>
+              </a:rPr>
+              <a:t> Max Number of Threads per Block: 1024</a:t>
+            </a:r>
+            <a:endParaRPr lang="en-US" sz="1600" dirty="0">
+              <a:ea typeface="+mn-lt"/>
+              <a:cs typeface="+mn-lt"/>
+            </a:endParaRPr>
+          </a:p>
+          <a:p>
+            <a:pPr>
+              <a:lnSpc>
+                <a:spcPct val="90000"/>
+              </a:lnSpc>
+              <a:buFont typeface="Arial" panose="020B0604020202020204" pitchFamily="34" charset="0"/>
+              <a:buChar char="•"/>
+            </a:pPr>
+            <a:r>
+              <a:rPr lang="en-US" sz="1600" i="0" dirty="0">
+                <a:ea typeface="+mn-lt"/>
+                <a:cs typeface="+mn-lt"/>
+              </a:rPr>
+              <a:t>Warp Size: 32</a:t>
+            </a:r>
+          </a:p>
+        </p:txBody>
+      </p:sp>
+      <p:sp>
+        <p:nvSpPr>
+          <p:cNvPr id="5" name="Content Placeholder 2">
+            <a:extLst>
+              <a:ext uri="{FF2B5EF4-FFF2-40B4-BE49-F238E27FC236}">
+                <a16:creationId xmlns:a16="http://schemas.microsoft.com/office/drawing/2014/main" id="{3D13C208-EE3B-D79F-FB24-063A9CD11C4D}"/>
+              </a:ext>
+            </a:extLst>
+          </p:cNvPr>
+          <p:cNvSpPr txBox="1">
+            <a:spLocks/>
+          </p:cNvSpPr>
+          <p:nvPr/>
+        </p:nvSpPr>
+        <p:spPr>
+          <a:xfrm>
+            <a:off x="6089649" y="3069249"/>
+            <a:ext cx="5016501" cy="3401889"/>
+          </a:xfrm>
+          <a:prstGeom prst="rect">
+            <a:avLst/>
+          </a:prstGeom>
+        </p:spPr>
+        <p:txBody>
+          <a:bodyPr vert="horz" lIns="0" tIns="0" rIns="0" bIns="0" rtlCol="0" anchor="t" anchorCtr="0">
+            <a:normAutofit/>
+          </a:bodyPr>
+          <a:lstStyle>
+            <a:lvl1pPr marL="360000" indent="-360000" algn="l" defTabSz="914400" rtl="0" eaLnBrk="1" latinLnBrk="0" hangingPunct="1">
+              <a:lnSpc>
+                <a:spcPct val="125000"/>
+              </a:lnSpc>
+              <a:spcBef>
+                <a:spcPts val="1000"/>
+              </a:spcBef>
+              <a:buClr>
+                <a:schemeClr val="accent1">
+                  <a:lumMod val="60000"/>
+                  <a:lumOff val="40000"/>
+                </a:schemeClr>
+              </a:buClr>
+              <a:buFont typeface="Wingdings" panose="05000000000000000000" pitchFamily="2" charset="2"/>
+              <a:buChar char=""/>
+              <a:defRPr sz="2000" kern="1200">
+                <a:solidFill>
+                  <a:schemeClr val="tx1">
+                    <a:alpha val="70000"/>
+                  </a:schemeClr>
+                </a:solidFill>
+                <a:latin typeface="+mn-lt"/>
+                <a:ea typeface="+mn-ea"/>
+                <a:cs typeface="+mn-cs"/>
+              </a:defRPr>
+            </a:lvl1pPr>
+            <a:lvl2pPr marL="360000" indent="0" algn="l" defTabSz="914400" rtl="0" eaLnBrk="1" latinLnBrk="0" hangingPunct="1">
+              <a:lnSpc>
+                <a:spcPct val="125000"/>
+              </a:lnSpc>
+              <a:spcBef>
+                <a:spcPts val="500"/>
+              </a:spcBef>
+              <a:buClr>
+                <a:schemeClr val="accent1">
+                  <a:lumMod val="60000"/>
+                  <a:lumOff val="40000"/>
+                </a:schemeClr>
+              </a:buClr>
+              <a:buFontTx/>
+              <a:buNone/>
+              <a:defRPr sz="2000" i="1" kern="1200">
+                <a:solidFill>
+                  <a:schemeClr val="tx1">
+                    <a:alpha val="70000"/>
+                  </a:schemeClr>
+                </a:solidFill>
+                <a:latin typeface="+mn-lt"/>
+                <a:ea typeface="+mn-ea"/>
+                <a:cs typeface="+mn-cs"/>
+              </a:defRPr>
+            </a:lvl2pPr>
+            <a:lvl3pPr marL="1080000" indent="-360000" algn="l" defTabSz="914400" rtl="0" eaLnBrk="1" latinLnBrk="0" hangingPunct="1">
+              <a:lnSpc>
+                <a:spcPct val="125000"/>
+              </a:lnSpc>
+              <a:spcBef>
+                <a:spcPts val="500"/>
+              </a:spcBef>
+              <a:buClr>
+                <a:schemeClr val="accent1">
+                  <a:lumMod val="60000"/>
+                  <a:lumOff val="40000"/>
+                </a:schemeClr>
+              </a:buClr>
+              <a:buFont typeface="Wingdings" panose="05000000000000000000" pitchFamily="2" charset="2"/>
+              <a:buChar char=""/>
+              <a:defRPr sz="2000" kern="1200">
+                <a:solidFill>
+                  <a:schemeClr val="tx1">
+                    <a:alpha val="70000"/>
+                  </a:schemeClr>
+                </a:solidFill>
+                <a:latin typeface="+mn-lt"/>
+                <a:ea typeface="+mn-ea"/>
+                <a:cs typeface="+mn-cs"/>
+              </a:defRPr>
+            </a:lvl3pPr>
+            <a:lvl4pPr marL="1080000" indent="0" algn="l" defTabSz="914400" rtl="0" eaLnBrk="1" latinLnBrk="0" hangingPunct="1">
+              <a:lnSpc>
+                <a:spcPct val="125000"/>
+              </a:lnSpc>
+              <a:spcBef>
+                <a:spcPts val="500"/>
+              </a:spcBef>
+              <a:buClr>
+                <a:schemeClr val="accent1">
+                  <a:lumMod val="60000"/>
+                  <a:lumOff val="40000"/>
+                </a:schemeClr>
+              </a:buClr>
+              <a:buFontTx/>
+              <a:buNone/>
+              <a:defRPr sz="2000" i="1" kern="1200">
+                <a:solidFill>
+                  <a:schemeClr val="tx1">
+                    <a:alpha val="70000"/>
+                  </a:schemeClr>
+                </a:solidFill>
+                <a:latin typeface="+mn-lt"/>
+                <a:ea typeface="+mn-ea"/>
+                <a:cs typeface="+mn-cs"/>
+              </a:defRPr>
+            </a:lvl4pPr>
+            <a:lvl5pPr marL="1800000" indent="-360000" algn="l" defTabSz="914400" rtl="0" eaLnBrk="1" latinLnBrk="0" hangingPunct="1">
+              <a:lnSpc>
+                <a:spcPct val="125000"/>
+              </a:lnSpc>
+              <a:spcBef>
+                <a:spcPts val="500"/>
+              </a:spcBef>
+              <a:buClr>
+                <a:schemeClr val="accent1">
+                  <a:lumMod val="60000"/>
+                  <a:lumOff val="40000"/>
+                </a:schemeClr>
+              </a:buClr>
+              <a:buFont typeface="Wingdings" panose="05000000000000000000" pitchFamily="2" charset="2"/>
+              <a:buChar char=""/>
+              <a:defRPr sz="2000" kern="1200">
+                <a:solidFill>
+                  <a:schemeClr val="tx1">
+                    <a:alpha val="70000"/>
+                  </a:schemeClr>
+                </a:solidFill>
+                <a:latin typeface="+mn-lt"/>
+                <a:ea typeface="+mn-ea"/>
+                <a:cs typeface="+mn-cs"/>
+              </a:defRPr>
+            </a:lvl5pPr>
+            <a:lvl6pPr marL="2514600" indent="-228600" algn="l" defTabSz="914400" rtl="0" eaLnBrk="1" latinLnBrk="0" hangingPunct="1">
+              <a:lnSpc>
+                <a:spcPct val="90000"/>
+              </a:lnSpc>
+              <a:spcBef>
+                <a:spcPts val="500"/>
+              </a:spcBef>
+              <a:buFont typeface="Arial" panose="020B0604020202020204" pitchFamily="34" charset="0"/>
+              <a:buChar char="•"/>
+              <a:defRPr sz="1800" kern="1200">
+                <a:solidFill>
+                  <a:schemeClr val="tx1"/>
+                </a:solidFill>
+                <a:latin typeface="+mn-lt"/>
+                <a:ea typeface="+mn-ea"/>
+                <a:cs typeface="+mn-cs"/>
+              </a:defRPr>
+            </a:lvl6pPr>
+            <a:lvl7pPr marL="2971800" indent="-228600" algn="l" defTabSz="914400" rtl="0" eaLnBrk="1" latinLnBrk="0" hangingPunct="1">
+              <a:lnSpc>
+                <a:spcPct val="90000"/>
+              </a:lnSpc>
+              <a:spcBef>
+                <a:spcPts val="500"/>
+              </a:spcBef>
+              <a:buFont typeface="Arial" panose="020B0604020202020204" pitchFamily="34" charset="0"/>
+              <a:buChar char="•"/>
+              <a:defRPr sz="1800" kern="1200">
+                <a:solidFill>
+                  <a:schemeClr val="tx1"/>
+                </a:solidFill>
+                <a:latin typeface="+mn-lt"/>
+                <a:ea typeface="+mn-ea"/>
+                <a:cs typeface="+mn-cs"/>
+              </a:defRPr>
+            </a:lvl7pPr>
+            <a:lvl8pPr marL="3429000" indent="-228600" algn="l" defTabSz="914400" rtl="0" eaLnBrk="1" latinLnBrk="0" hangingPunct="1">
+              <a:lnSpc>
+                <a:spcPct val="90000"/>
+              </a:lnSpc>
+              <a:spcBef>
+                <a:spcPts val="500"/>
+              </a:spcBef>
+              <a:buFont typeface="Arial" panose="020B0604020202020204" pitchFamily="34" charset="0"/>
+              <a:buChar char="•"/>
+              <a:defRPr sz="1800" kern="1200">
+                <a:solidFill>
+                  <a:schemeClr val="tx1"/>
+                </a:solidFill>
+                <a:latin typeface="+mn-lt"/>
+                <a:ea typeface="+mn-ea"/>
+                <a:cs typeface="+mn-cs"/>
+              </a:defRPr>
+            </a:lvl8pPr>
+            <a:lvl9pPr marL="3886200" indent="-228600" algn="l" defTabSz="914400" rtl="0" eaLnBrk="1" latinLnBrk="0" hangingPunct="1">
+              <a:lnSpc>
+                <a:spcPct val="90000"/>
+              </a:lnSpc>
+              <a:spcBef>
+                <a:spcPts val="500"/>
+              </a:spcBef>
+              <a:buFont typeface="Arial" panose="020B0604020202020204" pitchFamily="34" charset="0"/>
+              <a:buChar char="•"/>
+              <a:defRPr sz="1800" kern="1200">
+                <a:solidFill>
+                  <a:schemeClr val="tx1"/>
+                </a:solidFill>
+                <a:latin typeface="+mn-lt"/>
+                <a:ea typeface="+mn-ea"/>
+                <a:cs typeface="+mn-cs"/>
+              </a:defRPr>
+            </a:lvl9pPr>
+          </a:lstStyle>
+          <a:p>
+            <a:pPr>
+              <a:lnSpc>
+                <a:spcPct val="100000"/>
+              </a:lnSpc>
+              <a:spcBef>
+                <a:spcPts val="500"/>
+              </a:spcBef>
+              <a:buFont typeface="Arial" panose="020B0604020202020204" pitchFamily="34" charset="0"/>
+              <a:buChar char="•"/>
+            </a:pPr>
+            <a:r>
+              <a:rPr lang="en-US" sz="1600" dirty="0">
+                <a:ea typeface="+mn-lt"/>
+                <a:cs typeface="+mn-lt"/>
+              </a:rPr>
+              <a:t>Max resident blocks per SM: 16</a:t>
+            </a:r>
+          </a:p>
+          <a:p>
+            <a:pPr>
+              <a:lnSpc>
+                <a:spcPct val="100000"/>
+              </a:lnSpc>
+              <a:spcBef>
+                <a:spcPts val="500"/>
+              </a:spcBef>
+              <a:buFont typeface="Arial" panose="020B0604020202020204" pitchFamily="34" charset="0"/>
+              <a:buChar char="•"/>
+            </a:pPr>
+            <a:r>
+              <a:rPr lang="en-US" sz="1600" dirty="0">
+                <a:ea typeface="+mn-lt"/>
+                <a:cs typeface="+mn-lt"/>
+              </a:rPr>
+              <a:t>Max resident warps per SM: 32</a:t>
+            </a:r>
+          </a:p>
+          <a:p>
+            <a:pPr>
+              <a:lnSpc>
+                <a:spcPct val="100000"/>
+              </a:lnSpc>
+              <a:spcBef>
+                <a:spcPts val="500"/>
+              </a:spcBef>
+              <a:buFont typeface="Arial" panose="020B0604020202020204" pitchFamily="34" charset="0"/>
+              <a:buChar char="•"/>
+            </a:pPr>
+            <a:r>
+              <a:rPr lang="en-US" sz="1600" dirty="0">
+                <a:ea typeface="+mn-lt"/>
+                <a:cs typeface="+mn-lt"/>
+              </a:rPr>
+              <a:t>Max resident threads per SM: 1024</a:t>
+            </a:r>
+          </a:p>
+          <a:p>
+            <a:pPr>
+              <a:lnSpc>
+                <a:spcPct val="100000"/>
+              </a:lnSpc>
+              <a:spcBef>
+                <a:spcPts val="500"/>
+              </a:spcBef>
+              <a:buFont typeface="Arial" panose="020B0604020202020204" pitchFamily="34" charset="0"/>
+              <a:buChar char="•"/>
+            </a:pPr>
+            <a:r>
+              <a:rPr lang="en-US" sz="1600" dirty="0">
+                <a:ea typeface="+mn-lt"/>
+                <a:cs typeface="+mn-lt"/>
+              </a:rPr>
+              <a:t>32-bit registers per SM: 64K</a:t>
+            </a:r>
+          </a:p>
+          <a:p>
+            <a:pPr>
+              <a:lnSpc>
+                <a:spcPct val="100000"/>
+              </a:lnSpc>
+              <a:spcBef>
+                <a:spcPts val="500"/>
+              </a:spcBef>
+              <a:buFont typeface="Arial" panose="020B0604020202020204" pitchFamily="34" charset="0"/>
+              <a:buChar char="•"/>
+            </a:pPr>
+            <a:r>
+              <a:rPr lang="en-US" sz="1600" dirty="0">
+                <a:ea typeface="+mn-lt"/>
+                <a:cs typeface="+mn-lt"/>
+              </a:rPr>
+              <a:t>Max 32-bit registers per thread block: 64K</a:t>
+            </a:r>
+          </a:p>
+          <a:p>
+            <a:pPr>
+              <a:lnSpc>
+                <a:spcPct val="100000"/>
+              </a:lnSpc>
+              <a:spcBef>
+                <a:spcPts val="500"/>
+              </a:spcBef>
+              <a:buFont typeface="Arial" panose="020B0604020202020204" pitchFamily="34" charset="0"/>
+              <a:buChar char="•"/>
+            </a:pPr>
+            <a:r>
+              <a:rPr lang="en-US" sz="1600" dirty="0">
+                <a:ea typeface="+mn-lt"/>
+                <a:cs typeface="+mn-lt"/>
+              </a:rPr>
+              <a:t>Max 32-bit registers per thread: 255</a:t>
+            </a:r>
+          </a:p>
+          <a:p>
+            <a:pPr>
+              <a:lnSpc>
+                <a:spcPct val="100000"/>
+              </a:lnSpc>
+              <a:spcBef>
+                <a:spcPts val="500"/>
+              </a:spcBef>
+              <a:buFont typeface="Arial" panose="020B0604020202020204" pitchFamily="34" charset="0"/>
+              <a:buChar char="•"/>
+            </a:pPr>
+            <a:r>
+              <a:rPr lang="en-US" sz="1600" dirty="0">
+                <a:ea typeface="+mn-lt"/>
+                <a:cs typeface="+mn-lt"/>
+              </a:rPr>
+              <a:t>Max shared memory per SM: 64KB</a:t>
+            </a:r>
+          </a:p>
+          <a:p>
+            <a:pPr>
+              <a:lnSpc>
+                <a:spcPct val="100000"/>
+              </a:lnSpc>
+              <a:spcBef>
+                <a:spcPts val="500"/>
+              </a:spcBef>
+              <a:buFont typeface="Arial" panose="020B0604020202020204" pitchFamily="34" charset="0"/>
+              <a:buChar char="•"/>
+            </a:pPr>
+            <a:r>
+              <a:rPr lang="en-US" sz="1600" dirty="0">
+                <a:ea typeface="+mn-lt"/>
+                <a:cs typeface="+mn-lt"/>
+              </a:rPr>
+              <a:t>Max shared memory per thread block: 64KB</a:t>
+            </a:r>
+          </a:p>
+          <a:p>
+            <a:pPr>
+              <a:lnSpc>
+                <a:spcPct val="100000"/>
+              </a:lnSpc>
+              <a:spcBef>
+                <a:spcPts val="500"/>
+              </a:spcBef>
+              <a:buFont typeface="Arial" panose="020B0604020202020204" pitchFamily="34" charset="0"/>
+              <a:buChar char="•"/>
+            </a:pPr>
+            <a:r>
+              <a:rPr lang="en-US" sz="1600" dirty="0">
+                <a:ea typeface="+mn-lt"/>
+                <a:cs typeface="+mn-lt"/>
+              </a:rPr>
+              <a:t>Shared memory banks: 32</a:t>
+            </a:r>
+          </a:p>
+          <a:p>
+            <a:pPr>
+              <a:lnSpc>
+                <a:spcPct val="100000"/>
+              </a:lnSpc>
+              <a:spcBef>
+                <a:spcPts val="500"/>
+              </a:spcBef>
+              <a:buFont typeface="Arial" panose="020B0604020202020204" pitchFamily="34" charset="0"/>
+              <a:buChar char="•"/>
+            </a:pPr>
+            <a:r>
+              <a:rPr lang="en-US" sz="1600" dirty="0">
+                <a:ea typeface="+mn-lt"/>
+                <a:cs typeface="+mn-lt"/>
+              </a:rPr>
+              <a:t>Max local memory per thread: 512KB</a:t>
+            </a:r>
+          </a:p>
+          <a:p>
+            <a:pPr>
+              <a:lnSpc>
+                <a:spcPct val="100000"/>
+              </a:lnSpc>
+              <a:spcBef>
+                <a:spcPts val="500"/>
+              </a:spcBef>
+              <a:buFont typeface="Arial" panose="020B0604020202020204" pitchFamily="34" charset="0"/>
+              <a:buChar char="•"/>
+            </a:pPr>
+            <a:r>
+              <a:rPr lang="en-US" sz="1600" dirty="0">
+                <a:ea typeface="+mn-lt"/>
+                <a:cs typeface="+mn-lt"/>
+              </a:rPr>
+              <a:t>Constant memory size: 64KB</a:t>
+            </a:r>
+          </a:p>
+        </p:txBody>
+      </p:sp>
+      <p:sp>
+        <p:nvSpPr>
+          <p:cNvPr id="6" name="TextBox 5">
+            <a:extLst>
+              <a:ext uri="{FF2B5EF4-FFF2-40B4-BE49-F238E27FC236}">
+                <a16:creationId xmlns:a16="http://schemas.microsoft.com/office/drawing/2014/main" id="{4D73708D-5300-058D-1DB9-4B19BBC0DA76}"/>
+              </a:ext>
+            </a:extLst>
+          </p:cNvPr>
+          <p:cNvSpPr txBox="1"/>
+          <p:nvPr/>
+        </p:nvSpPr>
+        <p:spPr>
+          <a:xfrm>
+            <a:off x="1079499" y="6471138"/>
+            <a:ext cx="10026650" cy="246221"/>
+          </a:xfrm>
+          <a:prstGeom prst="rect">
+            <a:avLst/>
+          </a:prstGeom>
+          <a:noFill/>
+        </p:spPr>
+        <p:txBody>
+          <a:bodyPr wrap="square" rtlCol="0">
+            <a:spAutoFit/>
+          </a:bodyPr>
+          <a:lstStyle/>
+          <a:p>
+            <a:r>
+              <a:rPr lang="en-US" sz="1000" dirty="0">
+                <a:hlinkClick r:id="rId2"/>
+              </a:rPr>
+              <a:t>https://docs.nvidia.com/cuda/cuda-c-programming-guide/index.html#compute-capabilities</a:t>
+            </a:r>
+            <a:endParaRPr lang="en-US" sz="1000" dirty="0"/>
+          </a:p>
+        </p:txBody>
+      </p:sp>
+    </p:spTree>
+    <p:extLst>
+      <p:ext uri="{BB962C8B-B14F-4D97-AF65-F5344CB8AC3E}">
+        <p14:creationId xmlns:p14="http://schemas.microsoft.com/office/powerpoint/2010/main" val="3541099806"/>
+      </p:ext>
+    </p:extLst>
+  </p:cSld>
+  <p:clrMapOvr>
+    <a:masterClrMapping/>
+  </p:clrMapOvr>
+</p:sld>
+</file>
+
+<file path=ppt/slides/slide16.xml><?xml version="1.0" encoding="utf-8"?>
+<p:sld xmlns:a="http://schemas.openxmlformats.org/drawingml/2006/main" xmlns:r="http://schemas.openxmlformats.org/officeDocument/2006/relationships" xmlns:p="http://schemas.openxmlformats.org/presentationml/2006/main">
+  <p:cSld>
+    <p:spTree>
+      <p:nvGrpSpPr>
+        <p:cNvPr id="1" name=""/>
+        <p:cNvGrpSpPr/>
+        <p:nvPr/>
+      </p:nvGrpSpPr>
+      <p:grpSpPr>
+        <a:xfrm>
+          <a:off x="0" y="0"/>
+          <a:ext cx="0" cy="0"/>
+          <a:chOff x="0" y="0"/>
+          <a:chExt cx="0" cy="0"/>
+        </a:xfrm>
+      </p:grpSpPr>
+      <p:sp>
+        <p:nvSpPr>
+          <p:cNvPr id="2" name="Title 1">
+            <a:extLst>
+              <a:ext uri="{FF2B5EF4-FFF2-40B4-BE49-F238E27FC236}">
+                <a16:creationId xmlns:a16="http://schemas.microsoft.com/office/drawing/2014/main" id="{249A5E6E-C974-BD13-CB21-A1C736E31EA5}"/>
+              </a:ext>
+            </a:extLst>
+          </p:cNvPr>
+          <p:cNvSpPr>
+            <a:spLocks noGrp="1"/>
+          </p:cNvSpPr>
+          <p:nvPr>
+            <p:ph type="title"/>
+          </p:nvPr>
+        </p:nvSpPr>
+        <p:spPr/>
+        <p:txBody>
+          <a:bodyPr/>
+          <a:lstStyle/>
+          <a:p>
+            <a:r>
+              <a:rPr lang="en-US" dirty="0"/>
+              <a:t>Working with </a:t>
+            </a:r>
+            <a:r>
+              <a:rPr lang="en-US" dirty="0" err="1"/>
+              <a:t>cuda</a:t>
+            </a:r>
+            <a:r>
+              <a:rPr lang="en-US" dirty="0"/>
+              <a:t> on WSL Windows 10</a:t>
+            </a:r>
+          </a:p>
+        </p:txBody>
+      </p:sp>
+      <p:sp>
+        <p:nvSpPr>
+          <p:cNvPr id="3" name="Content Placeholder 2">
+            <a:extLst>
+              <a:ext uri="{FF2B5EF4-FFF2-40B4-BE49-F238E27FC236}">
+                <a16:creationId xmlns:a16="http://schemas.microsoft.com/office/drawing/2014/main" id="{ACDE499D-BACA-49AD-B486-B9D7FE7866B9}"/>
+              </a:ext>
+            </a:extLst>
+          </p:cNvPr>
+          <p:cNvSpPr>
+            <a:spLocks noGrp="1"/>
+          </p:cNvSpPr>
+          <p:nvPr>
+            <p:ph idx="1"/>
+          </p:nvPr>
+        </p:nvSpPr>
+        <p:spPr/>
+        <p:txBody>
+          <a:bodyPr/>
+          <a:lstStyle/>
+          <a:p>
+            <a:pPr>
+              <a:buFont typeface="Arial" panose="020B0604020202020204" pitchFamily="34" charset="0"/>
+              <a:buChar char="•"/>
+            </a:pPr>
+            <a:r>
+              <a:rPr lang="en-US" dirty="0"/>
+              <a:t>NVIDIA Guide: </a:t>
+            </a:r>
+            <a:r>
+              <a:rPr lang="en-US" dirty="0">
+                <a:hlinkClick r:id="rId2"/>
+              </a:rPr>
+              <a:t>https://docs.nvidia.com/cuda/wsl-user-guide/index.html#abstract</a:t>
+            </a:r>
+            <a:endParaRPr lang="en-US" dirty="0"/>
+          </a:p>
+          <a:p>
+            <a:pPr>
+              <a:buFont typeface="Arial" panose="020B0604020202020204" pitchFamily="34" charset="0"/>
+              <a:buChar char="•"/>
+            </a:pPr>
+            <a:r>
+              <a:rPr lang="en-US"/>
+              <a:t>CUDA Toolkit Doc: </a:t>
+            </a:r>
+            <a:r>
+              <a:rPr lang="en-US">
+                <a:hlinkClick r:id="rId3"/>
+              </a:rPr>
+              <a:t>https://docs.nvidia.com/cuda/cuda-c-programming-guide/index.html#compute-capabilities</a:t>
+            </a:r>
+            <a:r>
+              <a:rPr lang="en-US"/>
+              <a:t> </a:t>
+            </a:r>
+          </a:p>
+          <a:p>
+            <a:pPr>
+              <a:buFont typeface="Arial" panose="020B0604020202020204" pitchFamily="34" charset="0"/>
+              <a:buChar char="•"/>
+            </a:pPr>
+            <a:endParaRPr lang="en-US" dirty="0"/>
+          </a:p>
+        </p:txBody>
+      </p:sp>
+    </p:spTree>
+    <p:extLst>
+      <p:ext uri="{BB962C8B-B14F-4D97-AF65-F5344CB8AC3E}">
+        <p14:creationId xmlns:p14="http://schemas.microsoft.com/office/powerpoint/2010/main" val="3729661201"/>
+      </p:ext>
+    </p:extLst>
+  </p:cSld>
+  <p:clrMapOvr>
+    <a:masterClrMapping/>
+  </p:clrMapOvr>
+</p:sld>
+</file>
+
+<file path=ppt/slides/slide17.xml><?xml version="1.0" encoding="utf-8"?>
+<p:sld xmlns:a="http://schemas.openxmlformats.org/drawingml/2006/main" xmlns:r="http://schemas.openxmlformats.org/officeDocument/2006/relationships" xmlns:p="http://schemas.openxmlformats.org/presentationml/2006/main">
+  <p:cSld>
+    <p:spTree>
+      <p:nvGrpSpPr>
+        <p:cNvPr id="1" name=""/>
+        <p:cNvGrpSpPr/>
+        <p:nvPr/>
+      </p:nvGrpSpPr>
+      <p:grpSpPr>
+        <a:xfrm>
+          <a:off x="0" y="0"/>
+          <a:ext cx="0" cy="0"/>
+          <a:chOff x="0" y="0"/>
+          <a:chExt cx="0" cy="0"/>
+        </a:xfrm>
+      </p:grpSpPr>
+      <p:sp>
+        <p:nvSpPr>
+          <p:cNvPr id="2" name="Title 1">
+            <a:extLst>
+              <a:ext uri="{FF2B5EF4-FFF2-40B4-BE49-F238E27FC236}">
+                <a16:creationId xmlns:a16="http://schemas.microsoft.com/office/drawing/2014/main" id="{7DC66959-3528-4ADB-BDB9-3C105C4F7218}"/>
+              </a:ext>
+            </a:extLst>
+          </p:cNvPr>
+          <p:cNvSpPr>
+            <a:spLocks noGrp="1"/>
+          </p:cNvSpPr>
+          <p:nvPr>
+            <p:ph type="title"/>
+          </p:nvPr>
+        </p:nvSpPr>
+        <p:spPr/>
+        <p:txBody>
+          <a:bodyPr/>
+          <a:lstStyle/>
+          <a:p>
+            <a:r>
+              <a:rPr lang="en-US"/>
+              <a:t>GPU Implementations</a:t>
+            </a:r>
+          </a:p>
+        </p:txBody>
+      </p:sp>
+    </p:spTree>
+    <p:extLst>
+      <p:ext uri="{BB962C8B-B14F-4D97-AF65-F5344CB8AC3E}">
+        <p14:creationId xmlns:p14="http://schemas.microsoft.com/office/powerpoint/2010/main" val="3858365524"/>
+      </p:ext>
+    </p:extLst>
+  </p:cSld>
+  <p:clrMapOvr>
+    <a:masterClrMapping/>
+  </p:clrMapOvr>
+</p:sld>
+</file>
+
+<file path=ppt/slides/slide18.xml><?xml version="1.0" encoding="utf-8"?>
+<p:sld xmlns:a="http://schemas.openxmlformats.org/drawingml/2006/main" xmlns:r="http://schemas.openxmlformats.org/officeDocument/2006/relationships" xmlns:p="http://schemas.openxmlformats.org/presentationml/2006/main">
+  <p:cSld>
+    <p:spTree>
+      <p:nvGrpSpPr>
+        <p:cNvPr id="1" name=""/>
+        <p:cNvGrpSpPr/>
+        <p:nvPr/>
+      </p:nvGrpSpPr>
+      <p:grpSpPr>
+        <a:xfrm>
+          <a:off x="0" y="0"/>
+          <a:ext cx="0" cy="0"/>
+          <a:chOff x="0" y="0"/>
+          <a:chExt cx="0" cy="0"/>
+        </a:xfrm>
+      </p:grpSpPr>
+      <p:sp>
+        <p:nvSpPr>
+          <p:cNvPr id="2" name="Title 1">
+            <a:extLst>
+              <a:ext uri="{FF2B5EF4-FFF2-40B4-BE49-F238E27FC236}">
+                <a16:creationId xmlns:a16="http://schemas.microsoft.com/office/drawing/2014/main" id="{28F13155-84F5-49FA-9417-9E70529E0F0A}"/>
+              </a:ext>
+            </a:extLst>
+          </p:cNvPr>
+          <p:cNvSpPr>
+            <a:spLocks noGrp="1"/>
+          </p:cNvSpPr>
+          <p:nvPr>
+            <p:ph type="title"/>
+          </p:nvPr>
+        </p:nvSpPr>
+        <p:spPr/>
+        <p:txBody>
+          <a:bodyPr/>
+          <a:lstStyle/>
+          <a:p>
+            <a:r>
+              <a:rPr lang="en-US"/>
+              <a:t>Parallelized RSA Encryption</a:t>
+            </a:r>
+          </a:p>
+        </p:txBody>
+      </p:sp>
+      <p:sp>
+        <p:nvSpPr>
+          <p:cNvPr id="3" name="Content Placeholder 2">
+            <a:extLst>
+              <a:ext uri="{FF2B5EF4-FFF2-40B4-BE49-F238E27FC236}">
+                <a16:creationId xmlns:a16="http://schemas.microsoft.com/office/drawing/2014/main" id="{F1EED3F6-F690-4DEB-9BA1-9FAB20488DDD}"/>
+              </a:ext>
+            </a:extLst>
+          </p:cNvPr>
+          <p:cNvSpPr>
+            <a:spLocks noGrp="1"/>
+          </p:cNvSpPr>
+          <p:nvPr>
+            <p:ph idx="1"/>
+          </p:nvPr>
+        </p:nvSpPr>
+        <p:spPr>
+          <a:xfrm>
+            <a:off x="1079500" y="1790700"/>
+            <a:ext cx="8541578" cy="3978275"/>
+          </a:xfrm>
+        </p:spPr>
+        <p:txBody>
+          <a:bodyPr/>
+          <a:lstStyle/>
+          <a:p>
+            <a:pPr marL="359410" lvl="1" indent="-359410">
+              <a:lnSpc>
+                <a:spcPct val="150000"/>
+              </a:lnSpc>
+              <a:buFont typeface="Arial" panose="020B0604020202020204" pitchFamily="34" charset="0"/>
+              <a:buChar char="•"/>
+            </a:pPr>
+            <a:r>
+              <a:rPr lang="en-US"/>
+              <a:t>How does it work</a:t>
+            </a:r>
+          </a:p>
+          <a:p>
+            <a:pPr marL="1079410" lvl="2" indent="-359410">
+              <a:lnSpc>
+                <a:spcPct val="150000"/>
+              </a:lnSpc>
+              <a:buFont typeface="Arial" panose="020B0604020202020204" pitchFamily="34" charset="0"/>
+              <a:buChar char="•"/>
+            </a:pPr>
+            <a:r>
+              <a:rPr lang="en-US"/>
+              <a:t>Each thread is assigned a message block to encrypt &amp; decrypt</a:t>
+            </a:r>
+          </a:p>
+          <a:p>
+            <a:pPr marL="1079410" lvl="2" indent="-359410">
+              <a:lnSpc>
+                <a:spcPct val="150000"/>
+              </a:lnSpc>
+              <a:buFont typeface="Arial" panose="020B0604020202020204" pitchFamily="34" charset="0"/>
+              <a:buChar char="•"/>
+            </a:pPr>
+            <a:r>
+              <a:rPr lang="en-US"/>
+              <a:t>Blocks encrypted in parallel</a:t>
+            </a:r>
+          </a:p>
+          <a:p>
+            <a:pPr marL="1079410" lvl="2" indent="-359410">
+              <a:lnSpc>
+                <a:spcPct val="150000"/>
+              </a:lnSpc>
+              <a:buFont typeface="Arial" panose="020B0604020202020204" pitchFamily="34" charset="0"/>
+              <a:buChar char="•"/>
+            </a:pPr>
+            <a:r>
+              <a:rPr lang="en-US"/>
+              <a:t>Keys and modulus values stored in constant</a:t>
+            </a:r>
+          </a:p>
+          <a:p>
+            <a:pPr marL="1079410" lvl="2" indent="-359410">
+              <a:lnSpc>
+                <a:spcPct val="150000"/>
+              </a:lnSpc>
+              <a:buFont typeface="Arial" panose="020B0604020202020204" pitchFamily="34" charset="0"/>
+              <a:buChar char="•"/>
+            </a:pPr>
+            <a:endParaRPr lang="en-US" sz="1000"/>
+          </a:p>
+          <a:p>
+            <a:pPr marL="359410" lvl="1" indent="-359410">
+              <a:lnSpc>
+                <a:spcPct val="150000"/>
+              </a:lnSpc>
+              <a:buFont typeface="Arial" panose="020B0604020202020204" pitchFamily="34" charset="0"/>
+              <a:buChar char="•"/>
+            </a:pPr>
+            <a:r>
+              <a:rPr lang="en-US"/>
+              <a:t>GPU Bottleneck</a:t>
+            </a:r>
+          </a:p>
+          <a:p>
+            <a:pPr marL="1079410" lvl="2" indent="-359410">
+              <a:lnSpc>
+                <a:spcPct val="150000"/>
+              </a:lnSpc>
+              <a:buFont typeface="Arial" panose="020B0604020202020204" pitchFamily="34" charset="0"/>
+              <a:buChar char="•"/>
+            </a:pPr>
+            <a:r>
+              <a:rPr lang="en-US"/>
+              <a:t>Exponential operation results in very large number and must be performed in several steps</a:t>
+            </a:r>
+          </a:p>
+        </p:txBody>
+      </p:sp>
+    </p:spTree>
+    <p:extLst>
+      <p:ext uri="{BB962C8B-B14F-4D97-AF65-F5344CB8AC3E}">
+        <p14:creationId xmlns:p14="http://schemas.microsoft.com/office/powerpoint/2010/main" val="805836401"/>
+      </p:ext>
+    </p:extLst>
+  </p:cSld>
+  <p:clrMapOvr>
+    <a:masterClrMapping/>
+  </p:clrMapOvr>
+</p:sld>
+</file>
+
+<file path=ppt/slides/slide19.xml><?xml version="1.0" encoding="utf-8"?>
+<p:sld xmlns:a="http://schemas.openxmlformats.org/drawingml/2006/main" xmlns:r="http://schemas.openxmlformats.org/officeDocument/2006/relationships" xmlns:p="http://schemas.openxmlformats.org/presentationml/2006/main">
+  <p:cSld>
+    <p:spTree>
+      <p:nvGrpSpPr>
+        <p:cNvPr id="1" name=""/>
+        <p:cNvGrpSpPr/>
+        <p:nvPr/>
+      </p:nvGrpSpPr>
+      <p:grpSpPr>
+        <a:xfrm>
+          <a:off x="0" y="0"/>
+          <a:ext cx="0" cy="0"/>
+          <a:chOff x="0" y="0"/>
+          <a:chExt cx="0" cy="0"/>
+        </a:xfrm>
+      </p:grpSpPr>
+      <p:sp>
+        <p:nvSpPr>
+          <p:cNvPr id="2" name="Title 1">
+            <a:extLst>
+              <a:ext uri="{FF2B5EF4-FFF2-40B4-BE49-F238E27FC236}">
+                <a16:creationId xmlns:a16="http://schemas.microsoft.com/office/drawing/2014/main" id="{9183A81F-009A-42D7-B613-E96868422746}"/>
+              </a:ext>
+            </a:extLst>
+          </p:cNvPr>
+          <p:cNvSpPr>
+            <a:spLocks noGrp="1"/>
+          </p:cNvSpPr>
+          <p:nvPr>
+            <p:ph type="title"/>
+          </p:nvPr>
+        </p:nvSpPr>
+        <p:spPr/>
+        <p:txBody>
+          <a:bodyPr/>
+          <a:lstStyle/>
+          <a:p>
+            <a:r>
+              <a:rPr lang="en-US"/>
+              <a:t>Parallelized AES Encryption</a:t>
+            </a:r>
+          </a:p>
+        </p:txBody>
+      </p:sp>
+      <p:sp>
+        <p:nvSpPr>
+          <p:cNvPr id="3" name="Content Placeholder 2">
+            <a:extLst>
+              <a:ext uri="{FF2B5EF4-FFF2-40B4-BE49-F238E27FC236}">
+                <a16:creationId xmlns:a16="http://schemas.microsoft.com/office/drawing/2014/main" id="{2A16DDFF-CE71-4788-A4C9-7D63DCCC9980}"/>
+              </a:ext>
+            </a:extLst>
+          </p:cNvPr>
+          <p:cNvSpPr>
+            <a:spLocks noGrp="1"/>
+          </p:cNvSpPr>
+          <p:nvPr>
+            <p:ph idx="1"/>
+          </p:nvPr>
+        </p:nvSpPr>
+        <p:spPr/>
+        <p:txBody>
+          <a:bodyPr>
+            <a:normAutofit/>
+          </a:bodyPr>
+          <a:lstStyle/>
+          <a:p>
+            <a:pPr marL="359410" indent="-359410">
+              <a:buClr>
+                <a:srgbClr val="C0C2DD"/>
+              </a:buClr>
+            </a:pPr>
+            <a:r>
+              <a:rPr lang="en-US">
+                <a:solidFill>
+                  <a:srgbClr val="FFFFFF">
+                    <a:alpha val="70000"/>
+                  </a:srgbClr>
+                </a:solidFill>
+                <a:ea typeface="+mn-lt"/>
+                <a:cs typeface="+mn-lt"/>
+              </a:rPr>
+              <a:t>AES is also a block cipher, so data segments (128 bits) are encrypted individually and can be parallelized</a:t>
+            </a:r>
+          </a:p>
+          <a:p>
+            <a:pPr marL="359410" indent="-359410">
+              <a:buClr>
+                <a:srgbClr val="C0C2DD"/>
+              </a:buClr>
+            </a:pPr>
+            <a:r>
+              <a:rPr lang="en-US">
+                <a:solidFill>
+                  <a:srgbClr val="FFFFFF">
+                    <a:alpha val="70000"/>
+                  </a:srgbClr>
+                </a:solidFill>
+                <a:ea typeface="+mn-lt"/>
+                <a:cs typeface="+mn-lt"/>
+              </a:rPr>
+              <a:t>Each thread corresponds to a block cipher (encryption &amp; decryption)</a:t>
+            </a:r>
+          </a:p>
+          <a:p>
+            <a:pPr marL="359410" indent="-359410">
+              <a:buClr>
+                <a:srgbClr val="C0C2DD"/>
+              </a:buClr>
+            </a:pPr>
+            <a:r>
+              <a:rPr lang="en-US">
+                <a:solidFill>
+                  <a:srgbClr val="FFFFFF">
+                    <a:alpha val="70000"/>
+                  </a:srgbClr>
+                </a:solidFill>
+                <a:ea typeface="+mn-lt"/>
+                <a:cs typeface="+mn-lt"/>
+              </a:rPr>
+              <a:t>Lookup tables are put into __constant__</a:t>
+            </a:r>
+          </a:p>
+        </p:txBody>
+      </p:sp>
+      <p:pic>
+        <p:nvPicPr>
+          <p:cNvPr id="5" name="Picture 5" descr="Text&#10;&#10;Description automatically generated">
+            <a:extLst>
+              <a:ext uri="{FF2B5EF4-FFF2-40B4-BE49-F238E27FC236}">
+                <a16:creationId xmlns:a16="http://schemas.microsoft.com/office/drawing/2014/main" id="{43539FFB-1D2F-4843-857A-4095D92591C0}"/>
+              </a:ext>
+            </a:extLst>
+          </p:cNvPr>
+          <p:cNvPicPr>
+            <a:picLocks noChangeAspect="1"/>
+          </p:cNvPicPr>
+          <p:nvPr/>
+        </p:nvPicPr>
+        <p:blipFill>
+          <a:blip r:embed="rId2"/>
+          <a:stretch>
+            <a:fillRect/>
+          </a:stretch>
+        </p:blipFill>
+        <p:spPr>
+          <a:xfrm>
+            <a:off x="6815253" y="3278908"/>
+            <a:ext cx="4285786" cy="3487574"/>
+          </a:xfrm>
+          <a:prstGeom prst="rect">
+            <a:avLst/>
+          </a:prstGeom>
+        </p:spPr>
+      </p:pic>
+    </p:spTree>
+    <p:extLst>
+      <p:ext uri="{BB962C8B-B14F-4D97-AF65-F5344CB8AC3E}">
+        <p14:creationId xmlns:p14="http://schemas.microsoft.com/office/powerpoint/2010/main" val="3056670141"/>
+      </p:ext>
+    </p:extLst>
+  </p:cSld>
+  <p:clrMapOvr>
+    <a:masterClrMapping/>
+  </p:clrMapOvr>
+</p:sld>
+</file>
+
+<file path=ppt/slides/slide2.xml><?xml version="1.0" encoding="utf-8"?>
+<p:sld xmlns:a="http://schemas.openxmlformats.org/drawingml/2006/main" xmlns:r="http://schemas.openxmlformats.org/officeDocument/2006/relationships" xmlns:p="http://schemas.openxmlformats.org/presentationml/2006/main">
+  <p:cSld>
+    <p:spTree>
+      <p:nvGrpSpPr>
+        <p:cNvPr id="1" name=""/>
+        <p:cNvGrpSpPr/>
+        <p:nvPr/>
+      </p:nvGrpSpPr>
+      <p:grpSpPr>
+        <a:xfrm>
+          <a:off x="0" y="0"/>
+          <a:ext cx="0" cy="0"/>
+          <a:chOff x="0" y="0"/>
+          <a:chExt cx="0" cy="0"/>
+        </a:xfrm>
+      </p:grpSpPr>
+      <p:sp>
+        <p:nvSpPr>
+          <p:cNvPr id="2" name="Title 1">
+            <a:extLst>
+              <a:ext uri="{FF2B5EF4-FFF2-40B4-BE49-F238E27FC236}">
+                <a16:creationId xmlns:a16="http://schemas.microsoft.com/office/drawing/2014/main" id="{9EFAC268-6E78-431F-8EC0-0DC924EFA94A}"/>
+              </a:ext>
+            </a:extLst>
+          </p:cNvPr>
+          <p:cNvSpPr>
+            <a:spLocks noGrp="1"/>
+          </p:cNvSpPr>
+          <p:nvPr>
+            <p:ph type="title"/>
+          </p:nvPr>
+        </p:nvSpPr>
+        <p:spPr/>
+        <p:txBody>
+          <a:bodyPr/>
+          <a:lstStyle/>
+          <a:p>
+            <a:r>
+              <a:rPr lang="en-US"/>
+              <a:t>Algorithm Overview</a:t>
+            </a:r>
+          </a:p>
+        </p:txBody>
+      </p:sp>
+    </p:spTree>
+    <p:extLst>
+      <p:ext uri="{BB962C8B-B14F-4D97-AF65-F5344CB8AC3E}">
+        <p14:creationId xmlns:p14="http://schemas.microsoft.com/office/powerpoint/2010/main" val="3408131565"/>
+      </p:ext>
+    </p:extLst>
+  </p:cSld>
+  <p:clrMapOvr>
+    <a:masterClrMapping/>
+  </p:clrMapOvr>
+</p:sld>
+</file>
+
+<file path=ppt/slides/slide20.xml><?xml version="1.0" encoding="utf-8"?>
+<p:sld xmlns:a="http://schemas.openxmlformats.org/drawingml/2006/main" xmlns:r="http://schemas.openxmlformats.org/officeDocument/2006/relationships" xmlns:p="http://schemas.openxmlformats.org/presentationml/2006/main">
+  <p:cSld>
+    <p:spTree>
+      <p:nvGrpSpPr>
+        <p:cNvPr id="1" name=""/>
+        <p:cNvGrpSpPr/>
+        <p:nvPr/>
+      </p:nvGrpSpPr>
+      <p:grpSpPr>
+        <a:xfrm>
+          <a:off x="0" y="0"/>
+          <a:ext cx="0" cy="0"/>
+          <a:chOff x="0" y="0"/>
+          <a:chExt cx="0" cy="0"/>
+        </a:xfrm>
+      </p:grpSpPr>
+      <p:sp>
+        <p:nvSpPr>
+          <p:cNvPr id="2" name="Title 1">
+            <a:extLst>
+              <a:ext uri="{FF2B5EF4-FFF2-40B4-BE49-F238E27FC236}">
+                <a16:creationId xmlns:a16="http://schemas.microsoft.com/office/drawing/2014/main" id="{7DC66959-3528-4ADB-BDB9-3C105C4F7218}"/>
+              </a:ext>
+            </a:extLst>
+          </p:cNvPr>
+          <p:cNvSpPr>
+            <a:spLocks noGrp="1"/>
+          </p:cNvSpPr>
+          <p:nvPr>
+            <p:ph type="title"/>
+          </p:nvPr>
+        </p:nvSpPr>
+        <p:spPr/>
+        <p:txBody>
+          <a:bodyPr/>
+          <a:lstStyle/>
+          <a:p>
+            <a:r>
+              <a:rPr lang="en-US"/>
+              <a:t>Results</a:t>
+            </a:r>
+          </a:p>
+        </p:txBody>
+      </p:sp>
+    </p:spTree>
+    <p:extLst>
+      <p:ext uri="{BB962C8B-B14F-4D97-AF65-F5344CB8AC3E}">
+        <p14:creationId xmlns:p14="http://schemas.microsoft.com/office/powerpoint/2010/main" val="1159496473"/>
+      </p:ext>
+    </p:extLst>
+  </p:cSld>
+  <p:clrMapOvr>
+    <a:masterClrMapping/>
+  </p:clrMapOvr>
+</p:sld>
+</file>
+
+<file path=ppt/slides/slide21.xml><?xml version="1.0" encoding="utf-8"?>
 <p:sld xmlns:a="http://schemas.openxmlformats.org/drawingml/2006/main" xmlns:r="http://schemas.openxmlformats.org/officeDocument/2006/relationships" xmlns:p="http://schemas.openxmlformats.org/presentationml/2006/main">
   <p:cSld>
     <p:spTree>
@@ -13028,7 +16182,7 @@
 </p:sld>
 </file>
 
-<file path=ppt/slides/slide11.xml><?xml version="1.0" encoding="utf-8"?>
+<file path=ppt/slides/slide22.xml><?xml version="1.0" encoding="utf-8"?>
 <p:sld xmlns:a="http://schemas.openxmlformats.org/drawingml/2006/main" xmlns:r="http://schemas.openxmlformats.org/officeDocument/2006/relationships" xmlns:p="http://schemas.openxmlformats.org/presentationml/2006/main">
   <p:cSld>
     <p:spTree>
@@ -13445,7 +16599,7 @@
 </p:sld>
 </file>
 
-<file path=ppt/slides/slide12.xml><?xml version="1.0" encoding="utf-8"?>
+<file path=ppt/slides/slide23.xml><?xml version="1.0" encoding="utf-8"?>
 <p:sld xmlns:a="http://schemas.openxmlformats.org/drawingml/2006/main" xmlns:r="http://schemas.openxmlformats.org/officeDocument/2006/relationships" xmlns:p="http://schemas.openxmlformats.org/presentationml/2006/main">
   <p:cSld>
     <p:spTree>
@@ -15664,7 +18818,7 @@
 </p:sld>
 </file>
 
-<file path=ppt/slides/slide13.xml><?xml version="1.0" encoding="utf-8"?>
+<file path=ppt/slides/slide24.xml><?xml version="1.0" encoding="utf-8"?>
 <p:sld xmlns:a="http://schemas.openxmlformats.org/drawingml/2006/main" xmlns:r="http://schemas.openxmlformats.org/officeDocument/2006/relationships" xmlns:p="http://schemas.openxmlformats.org/presentationml/2006/main">
   <p:cSld>
     <p:spTree>
@@ -15722,7 +18876,7 @@
 </p:sld>
 </file>
 
-<file path=ppt/slides/slide2.xml><?xml version="1.0" encoding="utf-8"?>
+<file path=ppt/slides/slide25.xml><?xml version="1.0" encoding="utf-8"?>
 <p:sld xmlns:a="http://schemas.openxmlformats.org/drawingml/2006/main" xmlns:r="http://schemas.openxmlformats.org/officeDocument/2006/relationships" xmlns:p="http://schemas.openxmlformats.org/presentationml/2006/main">
   <p:cSld>
     <p:spTree>
@@ -15744,7 +18898,7 @@
           <p:cNvPr id="2" name="Title 1">
             <a:extLst>
               <a:ext uri="{FF2B5EF4-FFF2-40B4-BE49-F238E27FC236}">
-                <a16:creationId xmlns:a16="http://schemas.microsoft.com/office/drawing/2014/main" id="{9EFAC268-6E78-431F-8EC0-0DC924EFA94A}"/>
+                <a16:creationId xmlns:a16="http://schemas.microsoft.com/office/drawing/2014/main" id="{66F69949-DA6C-4E4E-8672-51C979FC87A8}"/>
               </a:ext>
             </a:extLst>
           </p:cNvPr>
@@ -15761,16 +18915,101 @@
           <a:lstStyle/>
           <a:p>
             <a:r>
-              <a:rPr lang="en-US"/>
-              <a:t>Algorithm Overview</a:t>
-            </a:r>
+              <a:rPr lang="en-US" dirty="0"/>
+              <a:t>Learn CUDA </a:t>
+            </a:r>
+            <a:r>
+              <a:rPr lang="en-US" dirty="0" err="1"/>
+              <a:t>REsources</a:t>
+            </a:r>
+            <a:endParaRPr lang="en-US" dirty="0"/>
           </a:p>
         </p:txBody>
       </p:sp>
     </p:spTree>
     <p:extLst>
       <p:ext uri="{BB962C8B-B14F-4D97-AF65-F5344CB8AC3E}">
-        <p14:creationId xmlns:p14="http://schemas.microsoft.com/office/powerpoint/2010/main" val="3408131565"/>
+        <p14:creationId xmlns:p14="http://schemas.microsoft.com/office/powerpoint/2010/main" val="596566497"/>
+      </p:ext>
+    </p:extLst>
+  </p:cSld>
+  <p:clrMapOvr>
+    <a:masterClrMapping/>
+  </p:clrMapOvr>
+</p:sld>
+</file>
+
+<file path=ppt/slides/slide26.xml><?xml version="1.0" encoding="utf-8"?>
+<p:sld xmlns:a="http://schemas.openxmlformats.org/drawingml/2006/main" xmlns:r="http://schemas.openxmlformats.org/officeDocument/2006/relationships" xmlns:p="http://schemas.openxmlformats.org/presentationml/2006/main">
+  <p:cSld>
+    <p:spTree>
+      <p:nvGrpSpPr>
+        <p:cNvPr id="1" name=""/>
+        <p:cNvGrpSpPr/>
+        <p:nvPr/>
+      </p:nvGrpSpPr>
+      <p:grpSpPr>
+        <a:xfrm>
+          <a:off x="0" y="0"/>
+          <a:ext cx="0" cy="0"/>
+          <a:chOff x="0" y="0"/>
+          <a:chExt cx="0" cy="0"/>
+        </a:xfrm>
+      </p:grpSpPr>
+      <p:sp>
+        <p:nvSpPr>
+          <p:cNvPr id="2" name="TextBox 1">
+            <a:extLst>
+              <a:ext uri="{FF2B5EF4-FFF2-40B4-BE49-F238E27FC236}">
+                <a16:creationId xmlns:a16="http://schemas.microsoft.com/office/drawing/2014/main" id="{F84D79FE-4781-6DA7-E564-25D8A7547CA4}"/>
+              </a:ext>
+            </a:extLst>
+          </p:cNvPr>
+          <p:cNvSpPr txBox="1"/>
+          <p:nvPr/>
+        </p:nvSpPr>
+        <p:spPr>
+          <a:xfrm>
+            <a:off x="1081454" y="1222131"/>
+            <a:ext cx="10190284" cy="1200329"/>
+          </a:xfrm>
+          <a:prstGeom prst="rect">
+            <a:avLst/>
+          </a:prstGeom>
+          <a:noFill/>
+        </p:spPr>
+        <p:txBody>
+          <a:bodyPr wrap="square" rtlCol="0">
+            <a:spAutoFit/>
+          </a:bodyPr>
+          <a:lstStyle/>
+          <a:p>
+            <a:r>
+              <a:rPr lang="en-US" dirty="0">
+                <a:hlinkClick r:id="rId2"/>
+              </a:rPr>
+              <a:t>https://tschmidt23.github.io/cse599i//</a:t>
+            </a:r>
+            <a:endParaRPr lang="en-US" dirty="0"/>
+          </a:p>
+          <a:p>
+            <a:r>
+              <a:rPr lang="en-US" dirty="0">
+                <a:hlinkClick r:id="rId3"/>
+              </a:rPr>
+              <a:t>https://newfrontiers.illinois.edu/news-and-events/introduction-to-parallel-programming-with-cuda/</a:t>
+            </a:r>
+            <a:endParaRPr lang="en-US" dirty="0"/>
+          </a:p>
+          <a:p>
+            <a:endParaRPr lang="en-US" dirty="0"/>
+          </a:p>
+        </p:txBody>
+      </p:sp>
+    </p:spTree>
+    <p:extLst>
+      <p:ext uri="{BB962C8B-B14F-4D97-AF65-F5344CB8AC3E}">
+        <p14:creationId xmlns:p14="http://schemas.microsoft.com/office/powerpoint/2010/main" val="3186341331"/>
       </p:ext>
     </p:extLst>
   </p:cSld>
@@ -15861,7 +19100,7 @@
               <a:buChar char="•"/>
             </a:pPr>
             <a:r>
-              <a:rPr lang="en-US"/>
+              <a:rPr lang="en-US" dirty="0"/>
               <a:t>How does it work</a:t>
             </a:r>
           </a:p>
@@ -15874,7 +19113,7 @@
               <a:buChar char="•"/>
             </a:pPr>
             <a:r>
-              <a:rPr lang="en-US"/>
+              <a:rPr lang="en-US" dirty="0"/>
               <a:t>Generate &amp; multiply two large prime numbers (n = p * q)</a:t>
             </a:r>
           </a:p>
@@ -15887,23 +19126,23 @@
               <a:buChar char="•"/>
             </a:pPr>
             <a:r>
-              <a:rPr lang="en-US"/>
+              <a:rPr lang="en-US" dirty="0"/>
               <a:t>Generate asymmetric public/private key pair ({</a:t>
             </a:r>
             <a:r>
-              <a:rPr lang="en-US" err="1"/>
+              <a:rPr lang="en-US" dirty="0" err="1"/>
               <a:t>e,n</a:t>
             </a:r>
             <a:r>
-              <a:rPr lang="en-US"/>
+              <a:rPr lang="en-US" dirty="0"/>
               <a:t>} &amp; {</a:t>
             </a:r>
             <a:r>
-              <a:rPr lang="en-US" err="1"/>
+              <a:rPr lang="en-US" dirty="0" err="1"/>
               <a:t>d,n</a:t>
             </a:r>
             <a:r>
-              <a:rPr lang="en-US"/>
+              <a:rPr lang="en-US" dirty="0"/>
               <a:t>})</a:t>
             </a:r>
           </a:p>
@@ -15916,7 +19155,7 @@
               <a:buChar char="•"/>
             </a:pPr>
             <a:r>
-              <a:rPr lang="en-US"/>
+              <a:rPr lang="en-US" dirty="0"/>
               <a:t>Encrypt &amp; decrypt message blocks w/ key</a:t>
             </a:r>
           </a:p>
@@ -15927,7 +19166,7 @@
               </a:lnSpc>
               <a:buNone/>
             </a:pPr>
-            <a:endParaRPr lang="en-US" sz="1000"/>
+            <a:endParaRPr lang="en-US" sz="1000" dirty="0"/>
           </a:p>
           <a:p>
             <a:pPr marL="359410" lvl="1" indent="-359410">
@@ -15938,7 +19177,7 @@
               <a:buChar char="•"/>
             </a:pPr>
             <a:r>
-              <a:rPr lang="en-US"/>
+              <a:rPr lang="en-US" dirty="0"/>
               <a:t>CPU Bottleneck</a:t>
             </a:r>
           </a:p>
@@ -15951,7 +19190,7 @@
               <a:buChar char="•"/>
             </a:pPr>
             <a:r>
-              <a:rPr lang="en-US"/>
+              <a:rPr lang="en-US" dirty="0"/>
               <a:t>Message blocks computed serially</a:t>
             </a:r>
           </a:p>
@@ -15964,7 +19203,7 @@
               <a:buChar char="•"/>
             </a:pPr>
             <a:r>
-              <a:rPr lang="en-US"/>
+              <a:rPr lang="en-US" dirty="0"/>
               <a:t>Blocks are independent </a:t>
             </a:r>
           </a:p>
@@ -15973,7 +19212,7 @@
               <a:buFont typeface="Arial" panose="020B0604020202020204" pitchFamily="34" charset="0"/>
               <a:buChar char="•"/>
             </a:pPr>
-            <a:endParaRPr lang="en-US"/>
+            <a:endParaRPr lang="en-US" dirty="0"/>
           </a:p>
         </p:txBody>
       </p:sp>
@@ -16144,7 +19383,7 @@
               <a:buChar char="•"/>
             </a:pPr>
             <a:r>
-              <a:rPr lang="en-US">
+              <a:rPr lang="en-US" dirty="0">
                 <a:ea typeface="+mn-lt"/>
                 <a:cs typeface="+mn-lt"/>
               </a:rPr>
@@ -16157,7 +19396,7 @@
               <a:buChar char="•"/>
             </a:pPr>
             <a:r>
-              <a:rPr lang="en-US" i="0">
+              <a:rPr lang="en-US" i="0" dirty="0">
                 <a:solidFill>
                   <a:srgbClr val="FFFFFF">
                     <a:alpha val="70000"/>
@@ -16175,7 +19414,7 @@
               <a:buChar char="•"/>
             </a:pPr>
             <a:r>
-              <a:rPr lang="en-US">
+              <a:rPr lang="en-US" dirty="0">
                 <a:solidFill>
                   <a:srgbClr val="FFFFFF">
                     <a:alpha val="70000"/>
@@ -16186,7 +19425,7 @@
               </a:rPr>
               <a:t>Symmetric key</a:t>
             </a:r>
-            <a:endParaRPr lang="en-US" i="0">
+            <a:endParaRPr lang="en-US" i="0" dirty="0">
               <a:solidFill>
                 <a:srgbClr val="FFFFFF">
                   <a:alpha val="70000"/>
@@ -16202,7 +19441,7 @@
               <a:buChar char="•"/>
             </a:pPr>
             <a:r>
-              <a:rPr lang="en-US">
+              <a:rPr lang="en-US" dirty="0">
                 <a:solidFill>
                   <a:srgbClr val="FFFFFF">
                     <a:alpha val="70000"/>
@@ -16220,7 +19459,7 @@
               <a:buChar char="•"/>
             </a:pPr>
             <a:r>
-              <a:rPr lang="en-US" i="0">
+              <a:rPr lang="en-US" i="0" dirty="0">
                 <a:solidFill>
                   <a:srgbClr val="FFFFFF">
                     <a:alpha val="70000"/>
@@ -16241,14 +19480,14 @@
               <a:buChar char="•"/>
             </a:pPr>
             <a:r>
-              <a:rPr lang="en-US">
+              <a:rPr lang="en-US" dirty="0">
                 <a:ea typeface="+mn-lt"/>
                 <a:cs typeface="+mn-lt"/>
                 <a:hlinkClick r:id="rId2"/>
               </a:rPr>
               <a:t>AES Animation</a:t>
             </a:r>
-            <a:endParaRPr lang="en-US" i="0">
+            <a:endParaRPr lang="en-US" i="0" dirty="0">
               <a:solidFill>
                 <a:srgbClr val="FFFFFF">
                   <a:alpha val="70000"/>
@@ -16524,8 +19763,8 @@
           <a:lstStyle/>
           <a:p>
             <a:r>
-              <a:rPr lang="en-US"/>
-              <a:t>GPU Implementations</a:t>
+              <a:rPr lang="en-US" dirty="0"/>
+              <a:t>Background</a:t>
             </a:r>
           </a:p>
         </p:txBody>
@@ -16533,7 +19772,7 @@
     </p:spTree>
     <p:extLst>
       <p:ext uri="{BB962C8B-B14F-4D97-AF65-F5344CB8AC3E}">
-        <p14:creationId xmlns:p14="http://schemas.microsoft.com/office/powerpoint/2010/main" val="3858365524"/>
+        <p14:creationId xmlns:p14="http://schemas.microsoft.com/office/powerpoint/2010/main" val="1521663151"/>
       </p:ext>
     </p:extLst>
   </p:cSld>
@@ -16565,7 +19804,7 @@
           <p:cNvPr id="2" name="Title 1">
             <a:extLst>
               <a:ext uri="{FF2B5EF4-FFF2-40B4-BE49-F238E27FC236}">
-                <a16:creationId xmlns:a16="http://schemas.microsoft.com/office/drawing/2014/main" id="{28F13155-84F5-49FA-9417-9E70529E0F0A}"/>
+                <a16:creationId xmlns:a16="http://schemas.microsoft.com/office/drawing/2014/main" id="{1B4B088D-86DE-B7F1-5280-36193FDE32EB}"/>
               </a:ext>
             </a:extLst>
           </p:cNvPr>
@@ -16582,8 +19821,8 @@
           <a:lstStyle/>
           <a:p>
             <a:r>
-              <a:rPr lang="en-US"/>
-              <a:t>Parallelized RSA Encryption</a:t>
+              <a:rPr lang="en-US" dirty="0"/>
+              <a:t>CPUs: Latency Oriented Design </a:t>
             </a:r>
           </a:p>
         </p:txBody>
@@ -16593,7 +19832,7 @@
           <p:cNvPr id="3" name="Content Placeholder 2">
             <a:extLst>
               <a:ext uri="{FF2B5EF4-FFF2-40B4-BE49-F238E27FC236}">
-                <a16:creationId xmlns:a16="http://schemas.microsoft.com/office/drawing/2014/main" id="{F1EED3F6-F690-4DEB-9BA1-9FAB20488DDD}"/>
+                <a16:creationId xmlns:a16="http://schemas.microsoft.com/office/drawing/2014/main" id="{A8F48A4A-658C-DBE5-1394-2FEC61169F6C}"/>
               </a:ext>
             </a:extLst>
           </p:cNvPr>
@@ -16606,107 +19845,134 @@
         </p:nvSpPr>
         <p:spPr>
           <a:xfrm>
-            <a:off x="1079500" y="1790700"/>
-            <a:ext cx="8541578" cy="3978275"/>
+            <a:off x="6603024" y="1790700"/>
+            <a:ext cx="4503126" cy="3978275"/>
           </a:xfrm>
         </p:spPr>
         <p:txBody>
-          <a:bodyPr/>
+          <a:bodyPr>
+            <a:normAutofit fontScale="92500" lnSpcReduction="20000"/>
+          </a:bodyPr>
           <a:lstStyle/>
           <a:p>
-            <a:pPr marL="359410" lvl="1" indent="-359410">
-              <a:lnSpc>
-                <a:spcPct val="150000"/>
-              </a:lnSpc>
+            <a:pPr>
               <a:buFont typeface="Arial" panose="020B0604020202020204" pitchFamily="34" charset="0"/>
               <a:buChar char="•"/>
             </a:pPr>
             <a:r>
-              <a:rPr lang="en-US"/>
-              <a:t>How does it work</a:t>
-            </a:r>
-          </a:p>
-          <a:p>
-            <a:pPr marL="1079410" lvl="2" indent="-359410">
-              <a:lnSpc>
-                <a:spcPct val="150000"/>
-              </a:lnSpc>
+              <a:rPr lang="en-US" dirty="0"/>
+              <a:t>Powerful ALU</a:t>
+            </a:r>
+          </a:p>
+          <a:p>
+            <a:pPr lvl="1">
               <a:buFont typeface="Arial" panose="020B0604020202020204" pitchFamily="34" charset="0"/>
               <a:buChar char="•"/>
             </a:pPr>
             <a:r>
-              <a:rPr lang="en-US"/>
-              <a:t>Each thread is assigned a message block to encrypt &amp; decrypt</a:t>
-            </a:r>
-          </a:p>
-          <a:p>
-            <a:pPr marL="1079410" lvl="2" indent="-359410">
-              <a:lnSpc>
-                <a:spcPct val="150000"/>
-              </a:lnSpc>
+              <a:rPr lang="en-US" i="0" dirty="0"/>
+              <a:t> Reduced operation latency</a:t>
+            </a:r>
+          </a:p>
+          <a:p>
+            <a:pPr>
               <a:buFont typeface="Arial" panose="020B0604020202020204" pitchFamily="34" charset="0"/>
               <a:buChar char="•"/>
             </a:pPr>
             <a:r>
-              <a:rPr lang="en-US"/>
-              <a:t>Blocks encrypted in parallel</a:t>
-            </a:r>
-          </a:p>
-          <a:p>
-            <a:pPr marL="1079410" lvl="2" indent="-359410">
-              <a:lnSpc>
-                <a:spcPct val="150000"/>
-              </a:lnSpc>
+              <a:rPr lang="en-US" dirty="0"/>
+              <a:t>Large caches</a:t>
+            </a:r>
+          </a:p>
+          <a:p>
+            <a:pPr lvl="1">
               <a:buFont typeface="Arial" panose="020B0604020202020204" pitchFamily="34" charset="0"/>
               <a:buChar char="•"/>
             </a:pPr>
             <a:r>
-              <a:rPr lang="en-US"/>
-              <a:t>Keys and modulus values stored in constant</a:t>
-            </a:r>
-          </a:p>
-          <a:p>
-            <a:pPr marL="1079410" lvl="2" indent="-359410">
-              <a:lnSpc>
-                <a:spcPct val="150000"/>
-              </a:lnSpc>
+              <a:rPr lang="en-US" i="0" dirty="0"/>
+              <a:t> Convert long latency memory accesses to short latency cache accesses</a:t>
+            </a:r>
+          </a:p>
+          <a:p>
+            <a:pPr>
               <a:buFont typeface="Arial" panose="020B0604020202020204" pitchFamily="34" charset="0"/>
               <a:buChar char="•"/>
             </a:pPr>
-            <a:endParaRPr lang="en-US" sz="1000"/>
-          </a:p>
-          <a:p>
-            <a:pPr marL="359410" lvl="1" indent="-359410">
-              <a:lnSpc>
-                <a:spcPct val="150000"/>
-              </a:lnSpc>
+            <a:r>
+              <a:rPr lang="en-US" dirty="0"/>
+              <a:t>Sophisticated control</a:t>
+            </a:r>
+          </a:p>
+          <a:p>
+            <a:pPr lvl="1">
               <a:buFont typeface="Arial" panose="020B0604020202020204" pitchFamily="34" charset="0"/>
               <a:buChar char="•"/>
             </a:pPr>
             <a:r>
-              <a:rPr lang="en-US"/>
-              <a:t>GPU Bottleneck</a:t>
-            </a:r>
-          </a:p>
-          <a:p>
-            <a:pPr marL="1079410" lvl="2" indent="-359410">
-              <a:lnSpc>
-                <a:spcPct val="150000"/>
-              </a:lnSpc>
+              <a:rPr lang="en-US" i="0" dirty="0"/>
+              <a:t> Branch prediction for reduced branch latency</a:t>
+            </a:r>
+          </a:p>
+          <a:p>
+            <a:pPr lvl="1">
               <a:buFont typeface="Arial" panose="020B0604020202020204" pitchFamily="34" charset="0"/>
               <a:buChar char="•"/>
             </a:pPr>
             <a:r>
-              <a:rPr lang="en-US"/>
-              <a:t>Exponential operation results in very large number and must be performed in several steps</a:t>
-            </a:r>
+              <a:rPr lang="en-US" i="0" dirty="0"/>
+              <a:t> Data forwarding for reduced data latency</a:t>
+            </a:r>
+          </a:p>
+          <a:p>
+            <a:pPr>
+              <a:buFont typeface="Arial" panose="020B0604020202020204" pitchFamily="34" charset="0"/>
+              <a:buChar char="•"/>
+            </a:pPr>
+            <a:endParaRPr lang="en-US" dirty="0"/>
           </a:p>
         </p:txBody>
       </p:sp>
+      <p:pic>
+        <p:nvPicPr>
+          <p:cNvPr id="10" name="Picture 9" descr="Diagram&#10;&#10;Description automatically generated">
+            <a:extLst>
+              <a:ext uri="{FF2B5EF4-FFF2-40B4-BE49-F238E27FC236}">
+                <a16:creationId xmlns:a16="http://schemas.microsoft.com/office/drawing/2014/main" id="{3C26C623-3A4C-0569-C224-EA1979CBB356}"/>
+              </a:ext>
+            </a:extLst>
+          </p:cNvPr>
+          <p:cNvPicPr>
+            <a:picLocks noChangeAspect="1"/>
+          </p:cNvPicPr>
+          <p:nvPr/>
+        </p:nvPicPr>
+        <p:blipFill>
+          <a:blip r:embed="rId2">
+            <a:extLst>
+              <a:ext uri="{28A0092B-C50C-407E-A947-70E740481C1C}">
+                <a14:useLocalDpi xmlns:a14="http://schemas.microsoft.com/office/drawing/2010/main" val="0"/>
+              </a:ext>
+            </a:extLst>
+          </a:blip>
+          <a:stretch>
+            <a:fillRect/>
+          </a:stretch>
+        </p:blipFill>
+        <p:spPr>
+          <a:xfrm>
+            <a:off x="1079500" y="1790700"/>
+            <a:ext cx="5443637" cy="3204063"/>
+          </a:xfrm>
+          <a:prstGeom prst="rect">
+            <a:avLst/>
+          </a:prstGeom>
+        </p:spPr>
+      </p:pic>
     </p:spTree>
     <p:extLst>
       <p:ext uri="{BB962C8B-B14F-4D97-AF65-F5344CB8AC3E}">
-        <p14:creationId xmlns:p14="http://schemas.microsoft.com/office/powerpoint/2010/main" val="805836401"/>
+        <p14:creationId xmlns:p14="http://schemas.microsoft.com/office/powerpoint/2010/main" val="1633953125"/>
       </p:ext>
     </p:extLst>
   </p:cSld>
@@ -16738,7 +20004,7 @@
           <p:cNvPr id="2" name="Title 1">
             <a:extLst>
               <a:ext uri="{FF2B5EF4-FFF2-40B4-BE49-F238E27FC236}">
-                <a16:creationId xmlns:a16="http://schemas.microsoft.com/office/drawing/2014/main" id="{9183A81F-009A-42D7-B613-E96868422746}"/>
+                <a16:creationId xmlns:a16="http://schemas.microsoft.com/office/drawing/2014/main" id="{1B4B088D-86DE-B7F1-5280-36193FDE32EB}"/>
               </a:ext>
             </a:extLst>
           </p:cNvPr>
@@ -16755,8 +20021,8 @@
           <a:lstStyle/>
           <a:p>
             <a:r>
-              <a:rPr lang="en-US"/>
-              <a:t>Parallelized AES Encryption</a:t>
+              <a:rPr lang="en-US" dirty="0"/>
+              <a:t>GPUs: Throughput Oriented Design</a:t>
             </a:r>
           </a:p>
         </p:txBody>
@@ -16766,7 +20032,7 @@
           <p:cNvPr id="3" name="Content Placeholder 2">
             <a:extLst>
               <a:ext uri="{FF2B5EF4-FFF2-40B4-BE49-F238E27FC236}">
-                <a16:creationId xmlns:a16="http://schemas.microsoft.com/office/drawing/2014/main" id="{2A16DDFF-CE71-4788-A4C9-7D63DCCC9980}"/>
+                <a16:creationId xmlns:a16="http://schemas.microsoft.com/office/drawing/2014/main" id="{A8F48A4A-658C-DBE5-1394-2FEC61169F6C}"/>
               </a:ext>
             </a:extLst>
           </p:cNvPr>
@@ -16777,77 +20043,125 @@
             <p:ph idx="1"/>
           </p:nvPr>
         </p:nvSpPr>
-        <p:spPr/>
+        <p:spPr>
+          <a:xfrm>
+            <a:off x="6603024" y="1790700"/>
+            <a:ext cx="4503126" cy="4443046"/>
+          </a:xfrm>
+        </p:spPr>
         <p:txBody>
           <a:bodyPr>
-            <a:normAutofit/>
+            <a:normAutofit fontScale="92500" lnSpcReduction="20000"/>
           </a:bodyPr>
           <a:lstStyle/>
           <a:p>
-            <a:pPr marL="359410" indent="-359410">
-              <a:buClr>
-                <a:srgbClr val="C0C2DD"/>
-              </a:buClr>
+            <a:pPr>
+              <a:buFont typeface="Arial" panose="020B0604020202020204" pitchFamily="34" charset="0"/>
+              <a:buChar char="•"/>
             </a:pPr>
             <a:r>
-              <a:rPr lang="en-US">
-                <a:solidFill>
-                  <a:srgbClr val="FFFFFF">
-                    <a:alpha val="70000"/>
-                  </a:srgbClr>
-                </a:solidFill>
-                <a:ea typeface="+mn-lt"/>
-                <a:cs typeface="+mn-lt"/>
-              </a:rPr>
-              <a:t>AES is also a block cipher, so data segments (128 bits) are encrypted individually and can be parallelized</a:t>
-            </a:r>
-          </a:p>
-          <a:p>
-            <a:pPr marL="359410" indent="-359410">
-              <a:buClr>
-                <a:srgbClr val="C0C2DD"/>
-              </a:buClr>
+              <a:rPr lang="en-US" dirty="0"/>
+              <a:t>Small caches</a:t>
+            </a:r>
+          </a:p>
+          <a:p>
+            <a:pPr lvl="1">
+              <a:buFont typeface="Arial" panose="020B0604020202020204" pitchFamily="34" charset="0"/>
+              <a:buChar char="•"/>
             </a:pPr>
             <a:r>
-              <a:rPr lang="en-US">
-                <a:solidFill>
-                  <a:srgbClr val="FFFFFF">
-                    <a:alpha val="70000"/>
-                  </a:srgbClr>
-                </a:solidFill>
-                <a:ea typeface="+mn-lt"/>
-                <a:cs typeface="+mn-lt"/>
-              </a:rPr>
-              <a:t>Each thread corresponds to a block cipher (encryption &amp; decryption)</a:t>
-            </a:r>
-          </a:p>
-          <a:p>
-            <a:pPr marL="359410" indent="-359410">
-              <a:buClr>
-                <a:srgbClr val="C0C2DD"/>
-              </a:buClr>
+              <a:rPr lang="en-US" i="0" dirty="0"/>
+              <a:t> To boost memory throughput</a:t>
+            </a:r>
+          </a:p>
+          <a:p>
+            <a:pPr>
+              <a:buFont typeface="Arial" panose="020B0604020202020204" pitchFamily="34" charset="0"/>
+              <a:buChar char="•"/>
             </a:pPr>
             <a:r>
-              <a:rPr lang="en-US">
-                <a:solidFill>
-                  <a:srgbClr val="FFFFFF">
-                    <a:alpha val="70000"/>
-                  </a:srgbClr>
-                </a:solidFill>
-                <a:ea typeface="+mn-lt"/>
-                <a:cs typeface="+mn-lt"/>
-              </a:rPr>
-              <a:t>Lookup tables are put into __constant__</a:t>
+              <a:rPr lang="en-US" dirty="0"/>
+              <a:t>Simple control</a:t>
+            </a:r>
+          </a:p>
+          <a:p>
+            <a:pPr lvl="1">
+              <a:buFont typeface="Arial" panose="020B0604020202020204" pitchFamily="34" charset="0"/>
+              <a:buChar char="•"/>
+            </a:pPr>
+            <a:r>
+              <a:rPr lang="en-US" i="0" dirty="0"/>
+              <a:t> No branch prediction</a:t>
+            </a:r>
+          </a:p>
+          <a:p>
+            <a:pPr lvl="1">
+              <a:buFont typeface="Arial" panose="020B0604020202020204" pitchFamily="34" charset="0"/>
+              <a:buChar char="•"/>
+            </a:pPr>
+            <a:r>
+              <a:rPr lang="en-US" i="0" dirty="0"/>
+              <a:t> No data forwarding</a:t>
+            </a:r>
+          </a:p>
+          <a:p>
+            <a:pPr>
+              <a:buFont typeface="Arial" panose="020B0604020202020204" pitchFamily="34" charset="0"/>
+              <a:buChar char="•"/>
+            </a:pPr>
+            <a:r>
+              <a:rPr lang="en-US" dirty="0"/>
+              <a:t>Energy efficient ALUs</a:t>
+            </a:r>
+          </a:p>
+          <a:p>
+            <a:pPr lvl="1">
+              <a:buFont typeface="Arial" panose="020B0604020202020204" pitchFamily="34" charset="0"/>
+              <a:buChar char="•"/>
+            </a:pPr>
+            <a:r>
+              <a:rPr lang="en-US" i="0" dirty="0"/>
+              <a:t> Many, long latency but heavily pipelined for high throughput</a:t>
+            </a:r>
+          </a:p>
+          <a:p>
+            <a:pPr>
+              <a:buFont typeface="Arial" panose="020B0604020202020204" pitchFamily="34" charset="0"/>
+              <a:buChar char="•"/>
+            </a:pPr>
+            <a:r>
+              <a:rPr lang="en-US" dirty="0"/>
+              <a:t>Require massive number of threads to tolerate latencies</a:t>
+            </a:r>
+          </a:p>
+          <a:p>
+            <a:pPr lvl="1">
+              <a:buFont typeface="Arial" panose="020B0604020202020204" pitchFamily="34" charset="0"/>
+              <a:buChar char="•"/>
+            </a:pPr>
+            <a:r>
+              <a:rPr lang="en-US" i="0" dirty="0"/>
+              <a:t> Threading logic</a:t>
+            </a:r>
+          </a:p>
+          <a:p>
+            <a:pPr lvl="1">
+              <a:buFont typeface="Arial" panose="020B0604020202020204" pitchFamily="34" charset="0"/>
+              <a:buChar char="•"/>
+            </a:pPr>
+            <a:r>
+              <a:rPr lang="en-US" i="0" dirty="0"/>
+              <a:t> Thread state </a:t>
             </a:r>
           </a:p>
         </p:txBody>
       </p:sp>
       <p:pic>
         <p:nvPicPr>
-          <p:cNvPr id="5" name="Picture 5" descr="Text&#10;&#10;Description automatically generated">
+          <p:cNvPr id="10" name="Picture 9">
             <a:extLst>
               <a:ext uri="{FF2B5EF4-FFF2-40B4-BE49-F238E27FC236}">
-                <a16:creationId xmlns:a16="http://schemas.microsoft.com/office/drawing/2014/main" id="{43539FFB-1D2F-4843-857A-4095D92591C0}"/>
+                <a16:creationId xmlns:a16="http://schemas.microsoft.com/office/drawing/2014/main" id="{3C26C623-3A4C-0569-C224-EA1979CBB356}"/>
               </a:ext>
             </a:extLst>
           </p:cNvPr>
@@ -16857,15 +20171,20 @@
           <p:nvPr/>
         </p:nvPicPr>
         <p:blipFill>
-          <a:blip r:embed="rId2"/>
-          <a:stretch>
-            <a:fillRect/>
-          </a:stretch>
+          <a:blip r:embed="rId2">
+            <a:extLst>
+              <a:ext uri="{28A0092B-C50C-407E-A947-70E740481C1C}">
+                <a14:useLocalDpi xmlns:a14="http://schemas.microsoft.com/office/drawing/2010/main" val="0"/>
+              </a:ext>
+            </a:extLst>
+          </a:blip>
+          <a:srcRect/>
+          <a:stretch/>
         </p:blipFill>
         <p:spPr>
           <a:xfrm>
-            <a:off x="6815253" y="3278908"/>
-            <a:ext cx="4285786" cy="3487574"/>
+            <a:off x="1088330" y="1790700"/>
+            <a:ext cx="5425976" cy="3204063"/>
           </a:xfrm>
           <a:prstGeom prst="rect">
             <a:avLst/>
@@ -16875,7 +20194,7 @@
     </p:spTree>
     <p:extLst>
       <p:ext uri="{BB962C8B-B14F-4D97-AF65-F5344CB8AC3E}">
-        <p14:creationId xmlns:p14="http://schemas.microsoft.com/office/powerpoint/2010/main" val="3056670141"/>
+        <p14:creationId xmlns:p14="http://schemas.microsoft.com/office/powerpoint/2010/main" val="146089090"/>
       </p:ext>
     </p:extLst>
   </p:cSld>
@@ -16907,7 +20226,7 @@
           <p:cNvPr id="2" name="Title 1">
             <a:extLst>
               <a:ext uri="{FF2B5EF4-FFF2-40B4-BE49-F238E27FC236}">
-                <a16:creationId xmlns:a16="http://schemas.microsoft.com/office/drawing/2014/main" id="{7DC66959-3528-4ADB-BDB9-3C105C4F7218}"/>
+                <a16:creationId xmlns:a16="http://schemas.microsoft.com/office/drawing/2014/main" id="{1B4B088D-86DE-B7F1-5280-36193FDE32EB}"/>
               </a:ext>
             </a:extLst>
           </p:cNvPr>
@@ -16924,16 +20243,124 @@
           <a:lstStyle/>
           <a:p>
             <a:r>
-              <a:rPr lang="en-US"/>
-              <a:t>Results</a:t>
+              <a:rPr lang="en-US" dirty="0"/>
+              <a:t>CUDA MEMORY</a:t>
             </a:r>
           </a:p>
         </p:txBody>
       </p:sp>
+      <p:sp>
+        <p:nvSpPr>
+          <p:cNvPr id="3" name="Content Placeholder 2">
+            <a:extLst>
+              <a:ext uri="{FF2B5EF4-FFF2-40B4-BE49-F238E27FC236}">
+                <a16:creationId xmlns:a16="http://schemas.microsoft.com/office/drawing/2014/main" id="{A8F48A4A-658C-DBE5-1394-2FEC61169F6C}"/>
+              </a:ext>
+            </a:extLst>
+          </p:cNvPr>
+          <p:cNvSpPr>
+            <a:spLocks noGrp="1"/>
+          </p:cNvSpPr>
+          <p:nvPr>
+            <p:ph idx="1"/>
+          </p:nvPr>
+        </p:nvSpPr>
+        <p:spPr>
+          <a:xfrm>
+            <a:off x="6603024" y="1790700"/>
+            <a:ext cx="4503126" cy="4443046"/>
+          </a:xfrm>
+        </p:spPr>
+        <p:txBody>
+          <a:bodyPr>
+            <a:normAutofit/>
+          </a:bodyPr>
+          <a:lstStyle/>
+          <a:p>
+            <a:pPr>
+              <a:buFont typeface="Arial" panose="020B0604020202020204" pitchFamily="34" charset="0"/>
+              <a:buChar char="•"/>
+            </a:pPr>
+            <a:r>
+              <a:rPr lang="en-US" dirty="0"/>
+              <a:t>Device code can:</a:t>
+            </a:r>
+          </a:p>
+          <a:p>
+            <a:pPr lvl="1">
+              <a:buFont typeface="Arial" panose="020B0604020202020204" pitchFamily="34" charset="0"/>
+              <a:buChar char="•"/>
+            </a:pPr>
+            <a:r>
+              <a:rPr lang="en-US" i="0" dirty="0"/>
+              <a:t> R/W per-thread registers</a:t>
+            </a:r>
+          </a:p>
+          <a:p>
+            <a:pPr lvl="1">
+              <a:buFont typeface="Arial" panose="020B0604020202020204" pitchFamily="34" charset="0"/>
+              <a:buChar char="•"/>
+            </a:pPr>
+            <a:r>
+              <a:rPr lang="en-US" i="0" dirty="0"/>
+              <a:t> R/W all-shared global memory</a:t>
+            </a:r>
+          </a:p>
+          <a:p>
+            <a:pPr>
+              <a:buFont typeface="Arial" panose="020B0604020202020204" pitchFamily="34" charset="0"/>
+              <a:buChar char="•"/>
+            </a:pPr>
+            <a:r>
+              <a:rPr lang="en-US" dirty="0"/>
+              <a:t>Host code can</a:t>
+            </a:r>
+          </a:p>
+          <a:p>
+            <a:pPr lvl="1">
+              <a:buFont typeface="Arial" panose="020B0604020202020204" pitchFamily="34" charset="0"/>
+              <a:buChar char="•"/>
+            </a:pPr>
+            <a:r>
+              <a:rPr lang="en-US" i="0" dirty="0"/>
+              <a:t> Transfer data to/from per grid global memory </a:t>
+            </a:r>
+          </a:p>
+        </p:txBody>
+      </p:sp>
+      <p:pic>
+        <p:nvPicPr>
+          <p:cNvPr id="5" name="Picture 4">
+            <a:extLst>
+              <a:ext uri="{FF2B5EF4-FFF2-40B4-BE49-F238E27FC236}">
+                <a16:creationId xmlns:a16="http://schemas.microsoft.com/office/drawing/2014/main" id="{2EAD7C88-240B-D89E-1A91-69921908AAE4}"/>
+              </a:ext>
+            </a:extLst>
+          </p:cNvPr>
+          <p:cNvPicPr>
+            <a:picLocks noChangeAspect="1"/>
+          </p:cNvPicPr>
+          <p:nvPr/>
+        </p:nvPicPr>
+        <p:blipFill rotWithShape="1">
+          <a:blip r:embed="rId2"/>
+          <a:srcRect l="3587"/>
+          <a:stretch/>
+        </p:blipFill>
+        <p:spPr>
+          <a:xfrm>
+            <a:off x="999830" y="1741099"/>
+            <a:ext cx="5506082" cy="3649607"/>
+          </a:xfrm>
+          <a:prstGeom prst="rect">
+            <a:avLst/>
+          </a:prstGeom>
+        </p:spPr>
+      </p:pic>
     </p:spTree>
     <p:extLst>
       <p:ext uri="{BB962C8B-B14F-4D97-AF65-F5344CB8AC3E}">
-        <p14:creationId xmlns:p14="http://schemas.microsoft.com/office/powerpoint/2010/main" val="1159496473"/>
+        <p14:creationId xmlns:p14="http://schemas.microsoft.com/office/powerpoint/2010/main" val="3162701775"/>
       </p:ext>
     </p:extLst>
   </p:cSld>
@@ -17409,12 +20836,6 @@
 </file>
 
 <file path=customXml/item1.xml><?xml version="1.0" encoding="utf-8"?>
-<p:properties xmlns:p="http://schemas.microsoft.com/office/2006/metadata/properties" xmlns:xsi="http://www.w3.org/2001/XMLSchema-instance" xmlns:pc="http://schemas.microsoft.com/office/infopath/2007/PartnerControls">
-  <documentManagement/>
-</p:properties>
-</file>
-
-<file path=customXml/item2.xml><?xml version="1.0" encoding="utf-8"?>
 <ct:contentTypeSchema xmlns:ct="http://schemas.microsoft.com/office/2006/metadata/contentType" xmlns:ma="http://schemas.microsoft.com/office/2006/metadata/properties/metaAttributes" ct:_="" ma:_="" ma:contentTypeName="Document" ma:contentTypeID="0x010100751E290A8A7BB84095A14A79D6F90A9E" ma:contentTypeVersion="14" ma:contentTypeDescription="Create a new document." ma:contentTypeScope="" ma:versionID="47fc00ed7020de24570fa82e0887d737">
   <xsd:schema xmlns:xsd="http://www.w3.org/2001/XMLSchema" xmlns:xs="http://www.w3.org/2001/XMLSchema" xmlns:p="http://schemas.microsoft.com/office/2006/metadata/properties" xmlns:ns3="d04c860b-c28d-42fc-8c47-51a8fad9e939" xmlns:ns4="e18efb4e-e6f2-4b37-b21e-74b810764c57" targetNamespace="http://schemas.microsoft.com/office/2006/metadata/properties" ma:root="true" ma:fieldsID="c116e8e15a069568a8dec638a4aab38c" ns3:_="" ns4:_="">
     <xsd:import namespace="d04c860b-c28d-42fc-8c47-51a8fad9e939"/>
@@ -17643,7 +21064,7 @@
 </ct:contentTypeSchema>
 </file>
 
-<file path=customXml/item3.xml><?xml version="1.0" encoding="utf-8"?>
+<file path=customXml/item2.xml><?xml version="1.0" encoding="utf-8"?>
 <?mso-contentType ?>
 <FormTemplates xmlns="http://schemas.microsoft.com/sharepoint/v3/contenttype/forms">
   <Display>DocumentLibraryForm</Display>
@@ -17652,24 +21073,13 @@
 </FormTemplates>
 </file>
 
-<file path=customXml/itemProps1.xml><?xml version="1.0" encoding="utf-8"?>
-<ds:datastoreItem xmlns:ds="http://schemas.openxmlformats.org/officeDocument/2006/customXml" ds:itemID="{34A1843A-ACA7-402D-88BF-527282256E73}">
-  <ds:schemaRefs>
-    <ds:schemaRef ds:uri="e18efb4e-e6f2-4b37-b21e-74b810764c57"/>
-    <ds:schemaRef ds:uri="http://schemas.openxmlformats.org/package/2006/metadata/core-properties"/>
-    <ds:schemaRef ds:uri="http://schemas.microsoft.com/office/infopath/2007/PartnerControls"/>
-    <ds:schemaRef ds:uri="http://schemas.microsoft.com/office/2006/documentManagement/types"/>
-    <ds:schemaRef ds:uri="http://purl.org/dc/dcmitype/"/>
-    <ds:schemaRef ds:uri="http://purl.org/dc/terms/"/>
-    <ds:schemaRef ds:uri="http://schemas.microsoft.com/office/2006/metadata/properties"/>
-    <ds:schemaRef ds:uri="http://purl.org/dc/elements/1.1/"/>
-    <ds:schemaRef ds:uri="d04c860b-c28d-42fc-8c47-51a8fad9e939"/>
-    <ds:schemaRef ds:uri="http://www.w3.org/XML/1998/namespace"/>
-  </ds:schemaRefs>
-</ds:datastoreItem>
+<file path=customXml/item3.xml><?xml version="1.0" encoding="utf-8"?>
+<p:properties xmlns:p="http://schemas.microsoft.com/office/2006/metadata/properties" xmlns:xsi="http://www.w3.org/2001/XMLSchema-instance" xmlns:pc="http://schemas.microsoft.com/office/infopath/2007/PartnerControls">
+  <documentManagement/>
+</p:properties>
 </file>
 
-<file path=customXml/itemProps2.xml><?xml version="1.0" encoding="utf-8"?>
+<file path=customXml/itemProps1.xml><?xml version="1.0" encoding="utf-8"?>
 <ds:datastoreItem xmlns:ds="http://schemas.openxmlformats.org/officeDocument/2006/customXml" ds:itemID="{9063EBB3-EB37-4FC5-A6BC-439FD8EE4752}">
   <ds:schemaRefs>
     <ds:schemaRef ds:uri="d04c860b-c28d-42fc-8c47-51a8fad9e939"/>
@@ -17688,10 +21098,27 @@
 </ds:datastoreItem>
 </file>
 
-<file path=customXml/itemProps3.xml><?xml version="1.0" encoding="utf-8"?>
+<file path=customXml/itemProps2.xml><?xml version="1.0" encoding="utf-8"?>
 <ds:datastoreItem xmlns:ds="http://schemas.openxmlformats.org/officeDocument/2006/customXml" ds:itemID="{95FAB2C2-4916-45E5-883E-9B6D287D235F}">
   <ds:schemaRefs>
     <ds:schemaRef ds:uri="http://schemas.microsoft.com/sharepoint/v3/contenttype/forms"/>
   </ds:schemaRefs>
 </ds:datastoreItem>
+</file>
+
+<file path=customXml/itemProps3.xml><?xml version="1.0" encoding="utf-8"?>
+<ds:datastoreItem xmlns:ds="http://schemas.openxmlformats.org/officeDocument/2006/customXml" ds:itemID="{34A1843A-ACA7-402D-88BF-527282256E73}">
+  <ds:schemaRefs>
+    <ds:schemaRef ds:uri="e18efb4e-e6f2-4b37-b21e-74b810764c57"/>
+    <ds:schemaRef ds:uri="http://schemas.openxmlformats.org/package/2006/metadata/core-properties"/>
+    <ds:schemaRef ds:uri="http://schemas.microsoft.com/office/infopath/2007/PartnerControls"/>
+    <ds:schemaRef ds:uri="http://schemas.microsoft.com/office/2006/documentManagement/types"/>
+    <ds:schemaRef ds:uri="http://purl.org/dc/dcmitype/"/>
+    <ds:schemaRef ds:uri="http://purl.org/dc/terms/"/>
+    <ds:schemaRef ds:uri="http://schemas.microsoft.com/office/2006/metadata/properties"/>
+    <ds:schemaRef ds:uri="http://purl.org/dc/elements/1.1/"/>
+    <ds:schemaRef ds:uri="d04c860b-c28d-42fc-8c47-51a8fad9e939"/>
+    <ds:schemaRef ds:uri="http://www.w3.org/XML/1998/namespace"/>
+  </ds:schemaRefs>
+</ds:datastoreItem>
 </file>